--- a/5. CSS/Lectures/0. CSS-Course-Introduction.pptx
+++ b/5. CSS/Lectures/0. CSS-Course-Introduction.pptx
@@ -5,10 +5,10 @@
     <p:sldMasterId id="2147483672" r:id="rId1"/>
   </p:sldMasterIdLst>
   <p:notesMasterIdLst>
-    <p:notesMasterId r:id="rId15"/>
+    <p:notesMasterId r:id="rId13"/>
   </p:notesMasterIdLst>
   <p:handoutMasterIdLst>
-    <p:handoutMasterId r:id="rId16"/>
+    <p:handoutMasterId r:id="rId14"/>
   </p:handoutMasterIdLst>
   <p:sldIdLst>
     <p:sldId id="320" r:id="rId2"/>
@@ -16,14 +16,12 @@
     <p:sldId id="356" r:id="rId4"/>
     <p:sldId id="358" r:id="rId5"/>
     <p:sldId id="364" r:id="rId6"/>
-    <p:sldId id="410" r:id="rId7"/>
-    <p:sldId id="408" r:id="rId8"/>
-    <p:sldId id="411" r:id="rId9"/>
-    <p:sldId id="369" r:id="rId10"/>
-    <p:sldId id="373" r:id="rId11"/>
-    <p:sldId id="375" r:id="rId12"/>
-    <p:sldId id="376" r:id="rId13"/>
-    <p:sldId id="334" r:id="rId14"/>
+    <p:sldId id="412" r:id="rId7"/>
+    <p:sldId id="411" r:id="rId8"/>
+    <p:sldId id="373" r:id="rId9"/>
+    <p:sldId id="375" r:id="rId10"/>
+    <p:sldId id="376" r:id="rId11"/>
+    <p:sldId id="334" r:id="rId12"/>
   </p:sldIdLst>
   <p:sldSz cx="9144000" cy="6858000" type="screen4x3"/>
   <p:notesSz cx="6881813" cy="9296400"/>
@@ -270,7 +268,7 @@
             <a:fld id="{3BF7C7B5-275F-4D1F-9AB4-9255447DBC73}" type="datetimeFigureOut">
               <a:rPr lang="en-US"/>
               <a:pPr/>
-              <a:t>12/10/2012</a:t>
+              <a:t>3/31/2014</a:t>
             </a:fld>
             <a:endParaRPr lang="en-US" dirty="0"/>
           </a:p>
@@ -501,7 +499,7 @@
             <a:fld id="{9B46F231-FB2B-4655-A644-E2477325E686}" type="datetimeFigureOut">
               <a:rPr lang="en-US"/>
               <a:pPr/>
-              <a:t>12/10/2012</a:t>
+              <a:t>3/31/2014</a:t>
             </a:fld>
             <a:endParaRPr lang="en-US" dirty="0"/>
           </a:p>
@@ -995,7 +993,7 @@
             <a:fld id="{6FB4F6EA-423E-42DF-9292-215E7D886C4E}" type="slidenum">
               <a:rPr lang="en-US" smtClean="0"/>
               <a:pPr/>
-              <a:t>11</a:t>
+              <a:t>9</a:t>
             </a:fld>
             <a:endParaRPr lang="en-US" dirty="0"/>
           </a:p>
@@ -1082,7 +1080,7 @@
             <a:fld id="{6FB4F6EA-423E-42DF-9292-215E7D886C4E}" type="slidenum">
               <a:rPr lang="en-US" smtClean="0"/>
               <a:pPr/>
-              <a:t>12</a:t>
+              <a:t>10</a:t>
             </a:fld>
             <a:endParaRPr lang="en-US" dirty="0"/>
           </a:p>
@@ -6016,158 +6014,6 @@
           <a:chExt cx="0" cy="0"/>
         </a:xfrm>
       </p:grpSpPr>
-      <p:sp>
-        <p:nvSpPr>
-          <p:cNvPr id="14" name="Text Placeholder 4"/>
-          <p:cNvSpPr>
-            <a:spLocks noGrp="1"/>
-          </p:cNvSpPr>
-          <p:nvPr>
-            <p:ph type="body" sz="quarter" idx="10"/>
-          </p:nvPr>
-        </p:nvSpPr>
-        <p:spPr>
-          <a:xfrm>
-            <a:off x="419099" y="4546600"/>
-            <a:ext cx="3853295" cy="533400"/>
-          </a:xfrm>
-        </p:spPr>
-        <p:txBody>
-          <a:bodyPr/>
-          <a:lstStyle/>
-          <a:p>
-            <a:r>
-              <a:rPr lang="en-US" dirty="0" smtClean="0"/>
-              <a:t>Doncho Minkov</a:t>
-            </a:r>
-            <a:endParaRPr lang="en-US" dirty="0"/>
-          </a:p>
-        </p:txBody>
-      </p:sp>
-      <p:sp>
-        <p:nvSpPr>
-          <p:cNvPr id="15" name="Text Placeholder 5"/>
-          <p:cNvSpPr>
-            <a:spLocks noGrp="1"/>
-          </p:cNvSpPr>
-          <p:nvPr>
-            <p:ph type="body" sz="quarter" idx="11"/>
-          </p:nvPr>
-        </p:nvSpPr>
-        <p:spPr>
-          <a:xfrm>
-            <a:off x="457200" y="5808246"/>
-            <a:ext cx="3810000" cy="369332"/>
-          </a:xfrm>
-        </p:spPr>
-        <p:txBody>
-          <a:bodyPr/>
-          <a:lstStyle/>
-          <a:p>
-            <a:r>
-              <a:rPr lang="en-US" dirty="0" smtClean="0"/>
-              <a:t>Telerik Software Academy</a:t>
-            </a:r>
-            <a:endParaRPr lang="en-US" dirty="0"/>
-          </a:p>
-        </p:txBody>
-      </p:sp>
-      <p:sp>
-        <p:nvSpPr>
-          <p:cNvPr id="16" name="Text Placeholder 6"/>
-          <p:cNvSpPr>
-            <a:spLocks noGrp="1"/>
-          </p:cNvSpPr>
-          <p:nvPr>
-            <p:ph type="body" sz="quarter" idx="12"/>
-          </p:nvPr>
-        </p:nvSpPr>
-        <p:spPr>
-          <a:xfrm>
-            <a:off x="457200" y="6113046"/>
-            <a:ext cx="3810000" cy="338554"/>
-          </a:xfrm>
-        </p:spPr>
-        <p:txBody>
-          <a:bodyPr/>
-          <a:lstStyle/>
-          <a:p>
-            <a:r>
-              <a:rPr lang="en-US" dirty="0" smtClean="0">
-                <a:hlinkClick r:id="rId3"/>
-              </a:rPr>
-              <a:t>academy.telerik.com</a:t>
-            </a:r>
-            <a:r>
-              <a:rPr lang="en-US" dirty="0" smtClean="0"/>
-              <a:t>   </a:t>
-            </a:r>
-            <a:endParaRPr lang="en-US" dirty="0"/>
-          </a:p>
-        </p:txBody>
-      </p:sp>
-      <p:sp>
-        <p:nvSpPr>
-          <p:cNvPr id="4" name="Text Placeholder 3"/>
-          <p:cNvSpPr>
-            <a:spLocks noGrp="1"/>
-          </p:cNvSpPr>
-          <p:nvPr>
-            <p:ph type="body" sz="quarter" idx="13"/>
-          </p:nvPr>
-        </p:nvSpPr>
-        <p:spPr>
-          <a:xfrm>
-            <a:off x="431800" y="5003800"/>
-            <a:ext cx="3838864" cy="461665"/>
-          </a:xfrm>
-        </p:spPr>
-        <p:txBody>
-          <a:bodyPr/>
-          <a:lstStyle/>
-          <a:p>
-            <a:r>
-              <a:rPr lang="en-US" dirty="0" smtClean="0"/>
-              <a:t>Technical Trainer</a:t>
-            </a:r>
-            <a:endParaRPr lang="en-US" dirty="0"/>
-          </a:p>
-        </p:txBody>
-      </p:sp>
-      <p:sp>
-        <p:nvSpPr>
-          <p:cNvPr id="6" name="Text Placeholder 5"/>
-          <p:cNvSpPr>
-            <a:spLocks noGrp="1"/>
-          </p:cNvSpPr>
-          <p:nvPr>
-            <p:ph type="body" sz="quarter" idx="14"/>
-          </p:nvPr>
-        </p:nvSpPr>
-        <p:spPr>
-          <a:xfrm>
-            <a:off x="444500" y="5380335"/>
-            <a:ext cx="3810000" cy="369332"/>
-          </a:xfrm>
-        </p:spPr>
-        <p:txBody>
-          <a:bodyPr/>
-          <a:lstStyle/>
-          <a:p>
-            <a:r>
-              <a:rPr lang="en-US" sz="1800" dirty="0" smtClean="0">
-                <a:hlinkClick r:id="rId4"/>
-              </a:rPr>
-              <a:t>http://minkov.it</a:t>
-            </a:r>
-            <a:r>
-              <a:rPr lang="en-US" sz="1800" dirty="0" smtClean="0"/>
-              <a:t> </a:t>
-            </a:r>
-            <a:endParaRPr lang="en-US" sz="1800" dirty="0"/>
-          </a:p>
-        </p:txBody>
-      </p:sp>
       <p:pic>
         <p:nvPicPr>
           <p:cNvPr id="18" name="Picture 5"/>
@@ -6177,7 +6023,7 @@
           <p:nvPr/>
         </p:nvPicPr>
         <p:blipFill>
-          <a:blip r:embed="rId5">
+          <a:blip r:embed="rId3">
             <a:extLst>
               <a:ext uri="{28A0092B-C50C-407E-A947-70E740481C1C}">
                 <a14:useLocalDpi xmlns:a14="http://schemas.microsoft.com/office/drawing/2010/main" val="0"/>
@@ -6297,7 +6143,7 @@
           <p:nvPr/>
         </p:nvPicPr>
         <p:blipFill>
-          <a:blip r:embed="rId6">
+          <a:blip r:embed="rId4">
             <a:extLst>
               <a:ext uri="{28A0092B-C50C-407E-A947-70E740481C1C}">
                 <a14:useLocalDpi xmlns:a14="http://schemas.microsoft.com/office/drawing/2010/main" val="0"/>
@@ -6343,7 +6189,7 @@
           <p:nvPr/>
         </p:nvPicPr>
         <p:blipFill>
-          <a:blip r:embed="rId7">
+          <a:blip r:embed="rId5">
             <a:extLst>
               <a:ext uri="{28A0092B-C50C-407E-A947-70E740481C1C}">
                 <a14:useLocalDpi xmlns:a14="http://schemas.microsoft.com/office/drawing/2010/main" val="0"/>
@@ -6376,6 +6222,70 @@
                   <a:srgbClr val="FFFFFF"/>
                 </a:solidFill>
               </a14:hiddenFill>
+            </a:ext>
+          </a:extLst>
+        </p:spPr>
+      </p:pic>
+      <p:pic>
+        <p:nvPicPr>
+          <p:cNvPr id="9" name="Picture 2"/>
+          <p:cNvPicPr>
+            <a:picLocks noChangeAspect="1" noChangeArrowheads="1"/>
+          </p:cNvPicPr>
+          <p:nvPr/>
+        </p:nvPicPr>
+        <p:blipFill>
+          <a:blip r:embed="rId6">
+            <a:extLst>
+              <a:ext uri="{28A0092B-C50C-407E-A947-70E740481C1C}">
+                <a14:useLocalDpi xmlns:a14="http://schemas.microsoft.com/office/drawing/2010/main" val="0"/>
+              </a:ext>
+            </a:extLst>
+          </a:blip>
+          <a:srcRect/>
+          <a:stretch>
+            <a:fillRect/>
+          </a:stretch>
+        </p:blipFill>
+        <p:spPr bwMode="auto">
+          <a:xfrm>
+            <a:off x="164305" y="5257800"/>
+            <a:ext cx="4090987" cy="1219200"/>
+          </a:xfrm>
+          <a:prstGeom prst="rect">
+            <a:avLst/>
+          </a:prstGeom>
+          <a:noFill/>
+          <a:ln>
+            <a:noFill/>
+          </a:ln>
+          <a:effectLst/>
+          <a:extLst>
+            <a:ext uri="{909E8E84-426E-40DD-AFC4-6F175D3DCCD1}">
+              <a14:hiddenFill xmlns:a14="http://schemas.microsoft.com/office/drawing/2010/main">
+                <a:solidFill>
+                  <a:schemeClr val="accent1"/>
+                </a:solidFill>
+              </a14:hiddenFill>
+            </a:ext>
+            <a:ext uri="{91240B29-F687-4F45-9708-019B960494DF}">
+              <a14:hiddenLine xmlns:a14="http://schemas.microsoft.com/office/drawing/2010/main" w="9525">
+                <a:solidFill>
+                  <a:schemeClr val="tx1"/>
+                </a:solidFill>
+                <a:miter lim="800000"/>
+                <a:headEnd/>
+                <a:tailEnd/>
+              </a14:hiddenLine>
+            </a:ext>
+            <a:ext uri="{AF507438-7753-43E0-B8FC-AC1667EBCBE1}">
+              <a14:hiddenEffects xmlns:a14="http://schemas.microsoft.com/office/drawing/2010/main">
+                <a:effectLst>
+                  <a:outerShdw dist="35921" dir="2700000" algn="ctr" rotWithShape="0">
+                    <a:schemeClr val="bg2"/>
+                  </a:outerShdw>
+                </a:effectLst>
+              </a14:hiddenEffects>
             </a:ext>
           </a:extLst>
         </p:spPr>
@@ -6419,430 +6329,6 @@
             <a:spLocks noGrp="1"/>
           </p:cNvSpPr>
           <p:nvPr>
-            <p:ph type="ctrTitle"/>
-          </p:nvPr>
-        </p:nvSpPr>
-        <p:spPr>
-          <a:xfrm>
-            <a:off x="1447800" y="2006601"/>
-            <a:ext cx="7086600" cy="685800"/>
-          </a:xfrm>
-        </p:spPr>
-        <p:txBody>
-          <a:bodyPr/>
-          <a:lstStyle/>
-          <a:p>
-            <a:pPr algn="r"/>
-            <a:r>
-              <a:rPr lang="en-US" dirty="0" smtClean="0"/>
-              <a:t>Resources</a:t>
-            </a:r>
-            <a:endParaRPr lang="en-US" dirty="0"/>
-          </a:p>
-        </p:txBody>
-      </p:sp>
-      <p:sp>
-        <p:nvSpPr>
-          <p:cNvPr id="3" name="Subtitle 2"/>
-          <p:cNvSpPr>
-            <a:spLocks noGrp="1"/>
-          </p:cNvSpPr>
-          <p:nvPr>
-            <p:ph type="subTitle" idx="1"/>
-          </p:nvPr>
-        </p:nvSpPr>
-        <p:spPr>
-          <a:xfrm>
-            <a:off x="676275" y="2834480"/>
-            <a:ext cx="7858125" cy="569120"/>
-          </a:xfrm>
-        </p:spPr>
-        <p:txBody>
-          <a:bodyPr/>
-          <a:lstStyle/>
-          <a:p>
-            <a:pPr algn="r"/>
-            <a:r>
-              <a:rPr lang="en-US" dirty="0" smtClean="0"/>
-              <a:t>What We Need in Addition to this Course Content?</a:t>
-            </a:r>
-            <a:endParaRPr lang="en-US" dirty="0"/>
-          </a:p>
-        </p:txBody>
-      </p:sp>
-      <p:pic>
-        <p:nvPicPr>
-          <p:cNvPr id="10242" name="Picture 2" descr="http://headrush.typepad.com/photos/uncategorized/books.jpg"/>
-          <p:cNvPicPr>
-            <a:picLocks noChangeAspect="1" noChangeArrowheads="1"/>
-          </p:cNvPicPr>
-          <p:nvPr/>
-        </p:nvPicPr>
-        <p:blipFill>
-          <a:blip r:embed="rId2" cstate="screen">
-            <a:extLst>
-              <a:ext uri="{28A0092B-C50C-407E-A947-70E740481C1C}">
-                <a14:useLocalDpi xmlns:a14="http://schemas.microsoft.com/office/drawing/2010/main" val="0"/>
-              </a:ext>
-            </a:extLst>
-          </a:blip>
-          <a:srcRect/>
-          <a:stretch>
-            <a:fillRect/>
-          </a:stretch>
-        </p:blipFill>
-        <p:spPr bwMode="auto">
-          <a:xfrm>
-            <a:off x="609600" y="3724588"/>
-            <a:ext cx="3918458" cy="2600012"/>
-          </a:xfrm>
-          <a:prstGeom prst="rect">
-            <a:avLst/>
-          </a:prstGeom>
-          <a:ln>
-            <a:noFill/>
-          </a:ln>
-          <a:effectLst>
-            <a:softEdge rad="112500"/>
-          </a:effectLst>
-        </p:spPr>
-      </p:pic>
-      <p:pic>
-        <p:nvPicPr>
-          <p:cNvPr id="10244" name="Picture 4" descr="http://www.bbc.co.uk/blogs/ni/books.jpg"/>
-          <p:cNvPicPr>
-            <a:picLocks noChangeAspect="1" noChangeArrowheads="1"/>
-          </p:cNvPicPr>
-          <p:nvPr/>
-        </p:nvPicPr>
-        <p:blipFill>
-          <a:blip r:embed="rId3" cstate="screen">
-            <a:extLst>
-              <a:ext uri="{28A0092B-C50C-407E-A947-70E740481C1C}">
-                <a14:useLocalDpi xmlns:a14="http://schemas.microsoft.com/office/drawing/2010/main" val="0"/>
-              </a:ext>
-            </a:extLst>
-          </a:blip>
-          <a:srcRect/>
-          <a:stretch>
-            <a:fillRect/>
-          </a:stretch>
-        </p:blipFill>
-        <p:spPr bwMode="auto">
-          <a:xfrm>
-            <a:off x="6810375" y="3729089"/>
-            <a:ext cx="1724025" cy="2595511"/>
-          </a:xfrm>
-          <a:prstGeom prst="rect">
-            <a:avLst/>
-          </a:prstGeom>
-          <a:ln>
-            <a:noFill/>
-          </a:ln>
-          <a:effectLst>
-            <a:softEdge rad="112500"/>
-          </a:effectLst>
-        </p:spPr>
-      </p:pic>
-      <p:pic>
-        <p:nvPicPr>
-          <p:cNvPr id="5122" name="Picture 2" descr="dashboard, widgets icon"/>
-          <p:cNvPicPr>
-            <a:picLocks noChangeAspect="1" noChangeArrowheads="1"/>
-          </p:cNvPicPr>
-          <p:nvPr/>
-        </p:nvPicPr>
-        <p:blipFill>
-          <a:blip r:embed="rId4">
-            <a:extLst>
-              <a:ext uri="{28A0092B-C50C-407E-A947-70E740481C1C}">
-                <a14:useLocalDpi xmlns:a14="http://schemas.microsoft.com/office/drawing/2010/main" val="0"/>
-              </a:ext>
-            </a:extLst>
-          </a:blip>
-          <a:srcRect/>
-          <a:stretch>
-            <a:fillRect/>
-          </a:stretch>
-        </p:blipFill>
-        <p:spPr bwMode="auto">
-          <a:xfrm>
-            <a:off x="2692400" y="641349"/>
-            <a:ext cx="1695450" cy="1695451"/>
-          </a:xfrm>
-          <a:prstGeom prst="rect">
-            <a:avLst/>
-          </a:prstGeom>
-          <a:noFill/>
-          <a:extLst>
-            <a:ext uri="{909E8E84-426E-40DD-AFC4-6F175D3DCCD1}">
-              <a14:hiddenFill xmlns:a14="http://schemas.microsoft.com/office/drawing/2010/main">
-                <a:solidFill>
-                  <a:srgbClr val="FFFFFF"/>
-                </a:solidFill>
-              </a14:hiddenFill>
-            </a:ext>
-          </a:extLst>
-        </p:spPr>
-      </p:pic>
-      <p:pic>
-        <p:nvPicPr>
-          <p:cNvPr id="5126" name="Picture 6" descr="earth, folder, internet, web icon"/>
-          <p:cNvPicPr>
-            <a:picLocks noChangeAspect="1" noChangeArrowheads="1"/>
-          </p:cNvPicPr>
-          <p:nvPr/>
-        </p:nvPicPr>
-        <p:blipFill>
-          <a:blip r:embed="rId5">
-            <a:extLst>
-              <a:ext uri="{28A0092B-C50C-407E-A947-70E740481C1C}">
-                <a14:useLocalDpi xmlns:a14="http://schemas.microsoft.com/office/drawing/2010/main" val="0"/>
-              </a:ext>
-            </a:extLst>
-          </a:blip>
-          <a:srcRect/>
-          <a:stretch>
-            <a:fillRect/>
-          </a:stretch>
-        </p:blipFill>
-        <p:spPr bwMode="auto">
-          <a:xfrm>
-            <a:off x="4730751" y="361950"/>
-            <a:ext cx="1390649" cy="1390650"/>
-          </a:xfrm>
-          <a:prstGeom prst="rect">
-            <a:avLst/>
-          </a:prstGeom>
-          <a:noFill/>
-          <a:extLst>
-            <a:ext uri="{909E8E84-426E-40DD-AFC4-6F175D3DCCD1}">
-              <a14:hiddenFill xmlns:a14="http://schemas.microsoft.com/office/drawing/2010/main">
-                <a:solidFill>
-                  <a:srgbClr val="FFFFFF"/>
-                </a:solidFill>
-              </a14:hiddenFill>
-            </a:ext>
-          </a:extLst>
-        </p:spPr>
-      </p:pic>
-      <p:pic>
-        <p:nvPicPr>
-          <p:cNvPr id="5130" name="Picture 10" descr=" icon"/>
-          <p:cNvPicPr>
-            <a:picLocks noChangeAspect="1" noChangeArrowheads="1"/>
-          </p:cNvPicPr>
-          <p:nvPr/>
-        </p:nvPicPr>
-        <p:blipFill>
-          <a:blip r:embed="rId6">
-            <a:extLst>
-              <a:ext uri="{28A0092B-C50C-407E-A947-70E740481C1C}">
-                <a14:useLocalDpi xmlns:a14="http://schemas.microsoft.com/office/drawing/2010/main" val="0"/>
-              </a:ext>
-            </a:extLst>
-          </a:blip>
-          <a:srcRect/>
-          <a:stretch>
-            <a:fillRect/>
-          </a:stretch>
-        </p:blipFill>
-        <p:spPr bwMode="auto">
-          <a:xfrm>
-            <a:off x="6146800" y="304799"/>
-            <a:ext cx="1219200" cy="1219201"/>
-          </a:xfrm>
-          <a:prstGeom prst="rect">
-            <a:avLst/>
-          </a:prstGeom>
-          <a:noFill/>
-          <a:extLst>
-            <a:ext uri="{909E8E84-426E-40DD-AFC4-6F175D3DCCD1}">
-              <a14:hiddenFill xmlns:a14="http://schemas.microsoft.com/office/drawing/2010/main">
-                <a:solidFill>
-                  <a:srgbClr val="FFFFFF"/>
-                </a:solidFill>
-              </a14:hiddenFill>
-            </a:ext>
-          </a:extLst>
-        </p:spPr>
-      </p:pic>
-      <p:pic>
-        <p:nvPicPr>
-          <p:cNvPr id="5132" name="Picture 12" descr="folder icon"/>
-          <p:cNvPicPr>
-            <a:picLocks noChangeAspect="1" noChangeArrowheads="1"/>
-          </p:cNvPicPr>
-          <p:nvPr/>
-        </p:nvPicPr>
-        <p:blipFill>
-          <a:blip r:embed="rId7">
-            <a:extLst>
-              <a:ext uri="{28A0092B-C50C-407E-A947-70E740481C1C}">
-                <a14:useLocalDpi xmlns:a14="http://schemas.microsoft.com/office/drawing/2010/main" val="0"/>
-              </a:ext>
-            </a:extLst>
-          </a:blip>
-          <a:srcRect/>
-          <a:stretch>
-            <a:fillRect/>
-          </a:stretch>
-        </p:blipFill>
-        <p:spPr bwMode="auto">
-          <a:xfrm>
-            <a:off x="7677149" y="495298"/>
-            <a:ext cx="1104902" cy="1104902"/>
-          </a:xfrm>
-          <a:prstGeom prst="rect">
-            <a:avLst/>
-          </a:prstGeom>
-          <a:noFill/>
-          <a:extLst>
-            <a:ext uri="{909E8E84-426E-40DD-AFC4-6F175D3DCCD1}">
-              <a14:hiddenFill xmlns:a14="http://schemas.microsoft.com/office/drawing/2010/main">
-                <a:solidFill>
-                  <a:srgbClr val="FFFFFF"/>
-                </a:solidFill>
-              </a14:hiddenFill>
-            </a:ext>
-          </a:extLst>
-        </p:spPr>
-      </p:pic>
-      <p:pic>
-        <p:nvPicPr>
-          <p:cNvPr id="13314" name="Picture 2" descr="http://www.manager.bg/sites/default/files/news_photos/wikipedia-logo-en-big.png"/>
-          <p:cNvPicPr>
-            <a:picLocks noChangeAspect="1" noChangeArrowheads="1"/>
-          </p:cNvPicPr>
-          <p:nvPr/>
-        </p:nvPicPr>
-        <p:blipFill>
-          <a:blip r:embed="rId8" cstate="print">
-            <a:extLst>
-              <a:ext uri="{28A0092B-C50C-407E-A947-70E740481C1C}">
-                <a14:useLocalDpi xmlns:a14="http://schemas.microsoft.com/office/drawing/2010/main" val="0"/>
-              </a:ext>
-            </a:extLst>
-          </a:blip>
-          <a:srcRect/>
-          <a:stretch>
-            <a:fillRect/>
-          </a:stretch>
-        </p:blipFill>
-        <p:spPr bwMode="auto">
-          <a:xfrm>
-            <a:off x="4797067" y="3962401"/>
-            <a:ext cx="1734266" cy="2124386"/>
-          </a:xfrm>
-          <a:prstGeom prst="rect">
-            <a:avLst/>
-          </a:prstGeom>
-          <a:noFill/>
-          <a:effectLst>
-            <a:glow rad="127000">
-              <a:schemeClr val="accent4">
-                <a:lumMod val="60000"/>
-                <a:lumOff val="40000"/>
-                <a:alpha val="25000"/>
-              </a:schemeClr>
-            </a:glow>
-          </a:effectLst>
-          <a:extLst>
-            <a:ext uri="{909E8E84-426E-40DD-AFC4-6F175D3DCCD1}">
-              <a14:hiddenFill xmlns:a14="http://schemas.microsoft.com/office/drawing/2010/main">
-                <a:solidFill>
-                  <a:srgbClr val="FFFFFF"/>
-                </a:solidFill>
-              </a14:hiddenFill>
-            </a:ext>
-          </a:extLst>
-        </p:spPr>
-      </p:pic>
-      <p:pic>
-        <p:nvPicPr>
-          <p:cNvPr id="13318" name="Picture 6" descr="document, file, find, search, text icon"/>
-          <p:cNvPicPr>
-            <a:picLocks noChangeAspect="1" noChangeArrowheads="1"/>
-          </p:cNvPicPr>
-          <p:nvPr/>
-        </p:nvPicPr>
-        <p:blipFill>
-          <a:blip r:embed="rId9">
-            <a:extLst>
-              <a:ext uri="{28A0092B-C50C-407E-A947-70E740481C1C}">
-                <a14:useLocalDpi xmlns:a14="http://schemas.microsoft.com/office/drawing/2010/main" val="0"/>
-              </a:ext>
-            </a:extLst>
-          </a:blip>
-          <a:srcRect/>
-          <a:stretch>
-            <a:fillRect/>
-          </a:stretch>
-        </p:blipFill>
-        <p:spPr bwMode="auto">
-          <a:xfrm rot="162075">
-            <a:off x="797108" y="1030194"/>
-            <a:ext cx="1716331" cy="1530347"/>
-          </a:xfrm>
-          <a:prstGeom prst="rect">
-            <a:avLst/>
-          </a:prstGeom>
-          <a:noFill/>
-          <a:extLst>
-            <a:ext uri="{909E8E84-426E-40DD-AFC4-6F175D3DCCD1}">
-              <a14:hiddenFill xmlns:a14="http://schemas.microsoft.com/office/drawing/2010/main">
-                <a:solidFill>
-                  <a:srgbClr val="FFFFFF"/>
-                </a:solidFill>
-              </a14:hiddenFill>
-            </a:ext>
-          </a:extLst>
-        </p:spPr>
-      </p:pic>
-    </p:spTree>
-    <p:extLst>
-      <p:ext uri="{BB962C8B-B14F-4D97-AF65-F5344CB8AC3E}">
-        <p14:creationId xmlns:p14="http://schemas.microsoft.com/office/powerpoint/2010/main" val="3516177080"/>
-      </p:ext>
-    </p:extLst>
-  </p:cSld>
-  <p:clrMapOvr>
-    <a:masterClrMapping/>
-  </p:clrMapOvr>
-  <p:timing>
-    <p:tnLst>
-      <p:par>
-        <p:cTn id="1" dur="indefinite" restart="never" nodeType="tmRoot"/>
-      </p:par>
-    </p:tnLst>
-  </p:timing>
-</p:sld>
-</file>
-
-<file path=ppt/slides/slide11.xml><?xml version="1.0" encoding="utf-8"?>
-<p:sld xmlns:a="http://schemas.openxmlformats.org/drawingml/2006/main" xmlns:r="http://schemas.openxmlformats.org/officeDocument/2006/relationships" xmlns:p="http://schemas.openxmlformats.org/presentationml/2006/main">
-  <p:cSld>
-    <p:spTree>
-      <p:nvGrpSpPr>
-        <p:cNvPr id="1" name=""/>
-        <p:cNvGrpSpPr/>
-        <p:nvPr/>
-      </p:nvGrpSpPr>
-      <p:grpSpPr>
-        <a:xfrm>
-          <a:off x="0" y="0"/>
-          <a:ext cx="0" cy="0"/>
-          <a:chOff x="0" y="0"/>
-          <a:chExt cx="0" cy="0"/>
-        </a:xfrm>
-      </p:grpSpPr>
-      <p:sp>
-        <p:nvSpPr>
-          <p:cNvPr id="2" name="Title 1"/>
-          <p:cNvSpPr>
-            <a:spLocks noGrp="1"/>
-          </p:cNvSpPr>
-          <p:nvPr>
             <p:ph type="title"/>
           </p:nvPr>
         </p:nvSpPr>
@@ -6852,8 +6338,8 @@
           <a:lstStyle/>
           <a:p>
             <a:r>
-              <a:rPr lang="en-US" dirty="0" smtClean="0"/>
-              <a:t>Course Web Site &amp; Forums</a:t>
+              <a:rPr lang="en-US" smtClean="0"/>
+              <a:t>Required Software</a:t>
             </a:r>
             <a:endParaRPr lang="en-US" dirty="0"/>
           </a:p>
@@ -6871,67 +6357,190 @@
         </p:nvSpPr>
         <p:spPr>
           <a:xfrm>
-            <a:off x="228600" y="1066800"/>
-            <a:ext cx="8686800" cy="5562600"/>
+            <a:off x="228600" y="1085850"/>
+            <a:ext cx="8686800" cy="5791200"/>
           </a:xfrm>
         </p:spPr>
         <p:txBody>
           <a:bodyPr/>
           <a:lstStyle/>
           <a:p>
+            <a:pPr>
+              <a:lnSpc>
+                <a:spcPct val="100000"/>
+              </a:lnSpc>
+            </a:pPr>
             <a:r>
               <a:rPr lang="en-US" dirty="0" smtClean="0"/>
-              <a:t>Register for the "Telerik Academy Forums":</a:t>
-            </a:r>
-          </a:p>
-          <a:p>
-            <a:pPr lvl="1"/>
-            <a:endParaRPr lang="en-US" sz="2900" dirty="0" smtClean="0"/>
+              <a:t>A text editor, one of the following:</a:t>
+            </a:r>
           </a:p>
           <a:p>
             <a:pPr lvl="1">
-              <a:spcBef>
-                <a:spcPts val="2400"/>
-              </a:spcBef>
+              <a:lnSpc>
+                <a:spcPct val="100000"/>
+              </a:lnSpc>
             </a:pPr>
             <a:r>
-              <a:rPr lang="en-US" sz="2900" dirty="0" smtClean="0"/>
-              <a:t>Discuss the course exercises with your colleagues</a:t>
-            </a:r>
-          </a:p>
-          <a:p>
-            <a:pPr lvl="1"/>
-            <a:r>
-              <a:rPr lang="en-US" sz="2900" dirty="0" smtClean="0"/>
-              <a:t>Find solutions for the exercises</a:t>
-            </a:r>
-          </a:p>
-          <a:p>
-            <a:pPr lvl="1"/>
-            <a:r>
-              <a:rPr lang="en-US" sz="2900" dirty="0" smtClean="0"/>
-              <a:t>Share source code / discuss ideas</a:t>
-            </a:r>
-          </a:p>
-          <a:p>
-            <a:r>
-              <a:rPr lang="en-US" dirty="0"/>
-              <a:t>The </a:t>
-            </a:r>
-            <a:r>
               <a:rPr lang="en-US" dirty="0" smtClean="0"/>
-              <a:t>CSS Styling official </a:t>
-            </a:r>
-            <a:r>
-              <a:rPr lang="en-US" dirty="0"/>
-              <a:t>web site:</a:t>
-            </a:r>
-          </a:p>
-          <a:p>
-            <a:endParaRPr lang="en-US" sz="3100" dirty="0" smtClean="0"/>
-          </a:p>
-          <a:p>
-            <a:endParaRPr lang="en-US" sz="3100" dirty="0"/>
+              <a:t>Microsoft </a:t>
+            </a:r>
+            <a:r>
+              <a:rPr lang="en-US" dirty="0" smtClean="0">
+                <a:solidFill>
+                  <a:schemeClr val="accent5">
+                    <a:lumMod val="20000"/>
+                    <a:lumOff val="80000"/>
+                  </a:schemeClr>
+                </a:solidFill>
+              </a:rPr>
+              <a:t>Visual Studio </a:t>
+            </a:r>
+            <a:r>
+              <a:rPr lang="en-US" dirty="0" smtClean="0">
+                <a:solidFill>
+                  <a:schemeClr val="accent5">
+                    <a:lumMod val="20000"/>
+                    <a:lumOff val="80000"/>
+                  </a:schemeClr>
+                </a:solidFill>
+                <a:latin typeface="Consolas" pitchFamily="49" charset="0"/>
+                <a:cs typeface="Consolas" pitchFamily="49" charset="0"/>
+              </a:rPr>
+              <a:t>2013</a:t>
+            </a:r>
+            <a:r>
+              <a:rPr lang="en-US" dirty="0" smtClean="0">
+                <a:solidFill>
+                  <a:schemeClr val="accent5">
+                    <a:lumMod val="20000"/>
+                    <a:lumOff val="80000"/>
+                  </a:schemeClr>
+                </a:solidFill>
+              </a:rPr>
+              <a:t> </a:t>
+            </a:r>
+            <a:r>
+              <a:rPr lang="en-US" dirty="0" smtClean="0"/>
+              <a:t>or </a:t>
+            </a:r>
+            <a:r>
+              <a:rPr lang="en-US" dirty="0">
+                <a:latin typeface="Consolas" pitchFamily="49" charset="0"/>
+                <a:cs typeface="Consolas" pitchFamily="49" charset="0"/>
+              </a:rPr>
+              <a:t>2012</a:t>
+            </a:r>
+            <a:r>
+              <a:rPr lang="en-US" dirty="0" smtClean="0"/>
+              <a:t> (Express will do the job)</a:t>
+            </a:r>
+            <a:endParaRPr lang="en-US" dirty="0" smtClean="0"/>
+          </a:p>
+          <a:p>
+            <a:pPr lvl="1">
+              <a:lnSpc>
+                <a:spcPct val="100000"/>
+              </a:lnSpc>
+            </a:pPr>
+            <a:r>
+              <a:rPr lang="en-US" dirty="0" smtClean="0"/>
+              <a:t>Notepad</a:t>
+            </a:r>
+            <a:r>
+              <a:rPr lang="en-US" dirty="0" smtClean="0"/>
+              <a:t>++</a:t>
+            </a:r>
+          </a:p>
+          <a:p>
+            <a:pPr lvl="1">
+              <a:lnSpc>
+                <a:spcPct val="100000"/>
+              </a:lnSpc>
+            </a:pPr>
+            <a:r>
+              <a:rPr lang="en-US" dirty="0" smtClean="0"/>
+              <a:t>Paint.NET</a:t>
+            </a:r>
+          </a:p>
+          <a:p>
+            <a:pPr lvl="1">
+              <a:lnSpc>
+                <a:spcPct val="100000"/>
+              </a:lnSpc>
+            </a:pPr>
+            <a:r>
+              <a:rPr lang="en-US" dirty="0" smtClean="0"/>
+              <a:t>Sublime Text 2/3</a:t>
+            </a:r>
+          </a:p>
+          <a:p>
+            <a:pPr lvl="1">
+              <a:lnSpc>
+                <a:spcPct val="100000"/>
+              </a:lnSpc>
+            </a:pPr>
+            <a:r>
+              <a:rPr lang="en-US" dirty="0" smtClean="0"/>
+              <a:t>MS </a:t>
+            </a:r>
+            <a:r>
+              <a:rPr lang="en-US" dirty="0" err="1" smtClean="0"/>
+              <a:t>WebMatrix</a:t>
+            </a:r>
+            <a:endParaRPr lang="en-US" dirty="0" smtClean="0"/>
+          </a:p>
+          <a:p>
+            <a:pPr lvl="1">
+              <a:lnSpc>
+                <a:spcPct val="100000"/>
+              </a:lnSpc>
+            </a:pPr>
+            <a:r>
+              <a:rPr lang="en-US" dirty="0" err="1" smtClean="0"/>
+              <a:t>Aptana</a:t>
+            </a:r>
+            <a:r>
+              <a:rPr lang="en-US" dirty="0" smtClean="0"/>
+              <a:t> Studio</a:t>
+            </a:r>
+          </a:p>
+          <a:p>
+            <a:pPr lvl="1">
+              <a:lnSpc>
+                <a:spcPct val="100000"/>
+              </a:lnSpc>
+            </a:pPr>
+            <a:r>
+              <a:rPr lang="en-US" dirty="0" err="1" smtClean="0"/>
+              <a:t>JetBrains</a:t>
+            </a:r>
+            <a:r>
+              <a:rPr lang="en-US" dirty="0" smtClean="0"/>
+              <a:t> </a:t>
+            </a:r>
+            <a:r>
+              <a:rPr lang="en-US" dirty="0" err="1" smtClean="0"/>
+              <a:t>WebStorm</a:t>
+            </a:r>
+            <a:endParaRPr lang="en-US" dirty="0" smtClean="0"/>
+          </a:p>
+          <a:p>
+            <a:pPr lvl="1">
+              <a:lnSpc>
+                <a:spcPct val="100000"/>
+              </a:lnSpc>
+            </a:pPr>
+            <a:endParaRPr lang="en-US" dirty="0" smtClean="0"/>
+          </a:p>
+          <a:p>
+            <a:pPr marL="357188" lvl="1" indent="0">
+              <a:lnSpc>
+                <a:spcPct val="100000"/>
+              </a:lnSpc>
+              <a:buNone/>
+            </a:pPr>
+            <a:endParaRPr lang="en-US" dirty="0" smtClean="0"/>
           </a:p>
         </p:txBody>
       </p:sp>
@@ -6958,509 +6567,7 @@
               <a:pPr>
                 <a:defRPr/>
               </a:pPr>
-              <a:t>11</a:t>
-            </a:fld>
-            <a:endParaRPr lang="en-US" dirty="0"/>
-          </a:p>
-        </p:txBody>
-      </p:sp>
-      <p:sp>
-        <p:nvSpPr>
-          <p:cNvPr id="7" name="Rounded Rectangle 6"/>
-          <p:cNvSpPr/>
-          <p:nvPr/>
-        </p:nvSpPr>
-        <p:spPr>
-          <a:xfrm>
-            <a:off x="533400" y="1652896"/>
-            <a:ext cx="8077200" cy="937904"/>
-          </a:xfrm>
-          <a:prstGeom prst="roundRect">
-            <a:avLst>
-              <a:gd name="adj" fmla="val 5953"/>
-            </a:avLst>
-          </a:prstGeom>
-          <a:solidFill>
-            <a:schemeClr val="accent5">
-              <a:lumMod val="60000"/>
-              <a:lumOff val="40000"/>
-              <a:alpha val="15000"/>
-            </a:schemeClr>
-          </a:solidFill>
-          <a:ln w="6350" algn="ctr">
-            <a:solidFill>
-              <a:schemeClr val="accent5">
-                <a:lumMod val="60000"/>
-                <a:lumOff val="40000"/>
-                <a:alpha val="70000"/>
-              </a:schemeClr>
-            </a:solidFill>
-            <a:round/>
-            <a:headEnd/>
-            <a:tailEnd/>
-          </a:ln>
-          <a:effectLst/>
-        </p:spPr>
-        <p:txBody>
-          <a:bodyPr lIns="108000" tIns="108000" rIns="108000" bIns="108000" anchor="ctr"/>
-          <a:lstStyle/>
-          <a:p>
-            <a:pPr algn="ctr"/>
-            <a:r>
-              <a:rPr lang="en-US" sz="2400" b="1" noProof="1">
-                <a:solidFill>
-                  <a:schemeClr val="tx1">
-                    <a:lumMod val="40000"/>
-                    <a:lumOff val="60000"/>
-                  </a:schemeClr>
-                </a:solidFill>
-                <a:effectLst>
-                  <a:outerShdw blurRad="38100" dist="38100" dir="2700000" algn="tl">
-                    <a:srgbClr val="000000">
-                      <a:alpha val="43137"/>
-                    </a:srgbClr>
-                  </a:outerShdw>
-                </a:effectLst>
-                <a:latin typeface="Consolas" pitchFamily="49" charset="0"/>
-                <a:cs typeface="Consolas" pitchFamily="49" charset="0"/>
-                <a:hlinkClick r:id="rId3"/>
-              </a:rPr>
-              <a:t>http://</a:t>
-            </a:r>
-            <a:r>
-              <a:rPr lang="en-US" sz="2400" b="1" noProof="1" smtClean="0">
-                <a:solidFill>
-                  <a:schemeClr val="tx1">
-                    <a:lumMod val="40000"/>
-                    <a:lumOff val="60000"/>
-                  </a:schemeClr>
-                </a:solidFill>
-                <a:effectLst>
-                  <a:outerShdw blurRad="38100" dist="38100" dir="2700000" algn="tl">
-                    <a:srgbClr val="000000">
-                      <a:alpha val="43137"/>
-                    </a:srgbClr>
-                  </a:outerShdw>
-                </a:effectLst>
-                <a:latin typeface="Consolas" pitchFamily="49" charset="0"/>
-                <a:cs typeface="Consolas" pitchFamily="49" charset="0"/>
-                <a:hlinkClick r:id="rId3"/>
-              </a:rPr>
-              <a:t>forums.academy.telerik.com/web-design-with-html5-css-and-javascript</a:t>
-            </a:r>
-            <a:r>
-              <a:rPr lang="en-US" sz="2400" b="1" noProof="1" smtClean="0">
-                <a:solidFill>
-                  <a:schemeClr val="tx1">
-                    <a:lumMod val="40000"/>
-                    <a:lumOff val="60000"/>
-                  </a:schemeClr>
-                </a:solidFill>
-                <a:effectLst>
-                  <a:outerShdw blurRad="38100" dist="38100" dir="2700000" algn="tl">
-                    <a:srgbClr val="000000">
-                      <a:alpha val="43137"/>
-                    </a:srgbClr>
-                  </a:outerShdw>
-                </a:effectLst>
-                <a:latin typeface="Consolas" pitchFamily="49" charset="0"/>
-                <a:cs typeface="Consolas" pitchFamily="49" charset="0"/>
-              </a:rPr>
-              <a:t> </a:t>
-            </a:r>
-            <a:endParaRPr lang="en-US" sz="2400" b="1" noProof="1">
-              <a:solidFill>
-                <a:schemeClr val="tx1">
-                  <a:lumMod val="40000"/>
-                  <a:lumOff val="60000"/>
-                </a:schemeClr>
-              </a:solidFill>
-              <a:effectLst>
-                <a:outerShdw blurRad="38100" dist="38100" dir="2700000" algn="tl">
-                  <a:srgbClr val="000000">
-                    <a:alpha val="43137"/>
-                  </a:srgbClr>
-                </a:outerShdw>
-              </a:effectLst>
-              <a:latin typeface="Consolas" pitchFamily="49" charset="0"/>
-              <a:cs typeface="Consolas" pitchFamily="49" charset="0"/>
-            </a:endParaRPr>
-          </a:p>
-        </p:txBody>
-      </p:sp>
-      <p:sp>
-        <p:nvSpPr>
-          <p:cNvPr id="8" name="Rounded Rectangle 7"/>
-          <p:cNvSpPr/>
-          <p:nvPr/>
-        </p:nvSpPr>
-        <p:spPr>
-          <a:xfrm>
-            <a:off x="533400" y="5181600"/>
-            <a:ext cx="8077200" cy="1017896"/>
-          </a:xfrm>
-          <a:prstGeom prst="roundRect">
-            <a:avLst>
-              <a:gd name="adj" fmla="val 5953"/>
-            </a:avLst>
-          </a:prstGeom>
-          <a:solidFill>
-            <a:schemeClr val="accent5">
-              <a:lumMod val="60000"/>
-              <a:lumOff val="40000"/>
-              <a:alpha val="15000"/>
-            </a:schemeClr>
-          </a:solidFill>
-          <a:ln w="6350" algn="ctr">
-            <a:solidFill>
-              <a:schemeClr val="accent5">
-                <a:lumMod val="60000"/>
-                <a:lumOff val="40000"/>
-                <a:alpha val="70000"/>
-              </a:schemeClr>
-            </a:solidFill>
-            <a:round/>
-            <a:headEnd/>
-            <a:tailEnd/>
-          </a:ln>
-          <a:effectLst/>
-        </p:spPr>
-        <p:txBody>
-          <a:bodyPr lIns="108000" tIns="108000" rIns="108000" bIns="108000" anchor="ctr"/>
-          <a:lstStyle/>
-          <a:p>
-            <a:pPr algn="ctr"/>
-            <a:r>
-              <a:rPr lang="en-US" sz="2400" b="1" noProof="1">
-                <a:solidFill>
-                  <a:schemeClr val="tx1">
-                    <a:lumMod val="40000"/>
-                    <a:lumOff val="60000"/>
-                  </a:schemeClr>
-                </a:solidFill>
-                <a:effectLst>
-                  <a:outerShdw blurRad="38100" dist="38100" dir="2700000" algn="tl">
-                    <a:srgbClr val="000000">
-                      <a:alpha val="43137"/>
-                    </a:srgbClr>
-                  </a:outerShdw>
-                </a:effectLst>
-                <a:latin typeface="Consolas" pitchFamily="49" charset="0"/>
-                <a:cs typeface="Consolas" pitchFamily="49" charset="0"/>
-                <a:hlinkClick r:id="rId4"/>
-              </a:rPr>
-              <a:t>http://</a:t>
-            </a:r>
-            <a:r>
-              <a:rPr lang="en-US" sz="2400" b="1" noProof="1" smtClean="0">
-                <a:solidFill>
-                  <a:schemeClr val="tx1">
-                    <a:lumMod val="40000"/>
-                    <a:lumOff val="60000"/>
-                  </a:schemeClr>
-                </a:solidFill>
-                <a:effectLst>
-                  <a:outerShdw blurRad="38100" dist="38100" dir="2700000" algn="tl">
-                    <a:srgbClr val="000000">
-                      <a:alpha val="43137"/>
-                    </a:srgbClr>
-                  </a:outerShdw>
-                </a:effectLst>
-                <a:latin typeface="Consolas" pitchFamily="49" charset="0"/>
-                <a:cs typeface="Consolas" pitchFamily="49" charset="0"/>
-                <a:hlinkClick r:id="rId4"/>
-              </a:rPr>
-              <a:t>academy.telerik.com/student-courses/web-design-and-ui/css-styling</a:t>
-            </a:r>
-            <a:r>
-              <a:rPr lang="en-US" sz="2400" b="1" noProof="1" smtClean="0">
-                <a:solidFill>
-                  <a:schemeClr val="tx1">
-                    <a:lumMod val="40000"/>
-                    <a:lumOff val="60000"/>
-                  </a:schemeClr>
-                </a:solidFill>
-                <a:effectLst>
-                  <a:outerShdw blurRad="38100" dist="38100" dir="2700000" algn="tl">
-                    <a:srgbClr val="000000">
-                      <a:alpha val="43137"/>
-                    </a:srgbClr>
-                  </a:outerShdw>
-                </a:effectLst>
-                <a:latin typeface="Consolas" pitchFamily="49" charset="0"/>
-                <a:cs typeface="Consolas" pitchFamily="49" charset="0"/>
-              </a:rPr>
-              <a:t> </a:t>
-            </a:r>
-            <a:endParaRPr lang="en-US" sz="2400" b="1" noProof="1">
-              <a:solidFill>
-                <a:schemeClr val="tx1">
-                  <a:lumMod val="40000"/>
-                  <a:lumOff val="60000"/>
-                </a:schemeClr>
-              </a:solidFill>
-              <a:effectLst>
-                <a:outerShdw blurRad="38100" dist="38100" dir="2700000" algn="tl">
-                  <a:srgbClr val="000000">
-                    <a:alpha val="43137"/>
-                  </a:srgbClr>
-                </a:outerShdw>
-              </a:effectLst>
-              <a:latin typeface="Consolas" pitchFamily="49" charset="0"/>
-              <a:cs typeface="Consolas" pitchFamily="49" charset="0"/>
-            </a:endParaRPr>
-          </a:p>
-        </p:txBody>
-      </p:sp>
-    </p:spTree>
-    <p:extLst>
-      <p:ext uri="{BB962C8B-B14F-4D97-AF65-F5344CB8AC3E}">
-        <p14:creationId xmlns:p14="http://schemas.microsoft.com/office/powerpoint/2010/main" val="2589110298"/>
-      </p:ext>
-    </p:extLst>
-  </p:cSld>
-  <p:clrMapOvr>
-    <a:masterClrMapping/>
-  </p:clrMapOvr>
-  <p:timing>
-    <p:tnLst>
-      <p:par>
-        <p:cTn id="1" dur="indefinite" restart="never" nodeType="tmRoot"/>
-      </p:par>
-    </p:tnLst>
-  </p:timing>
-</p:sld>
-</file>
-
-<file path=ppt/slides/slide12.xml><?xml version="1.0" encoding="utf-8"?>
-<p:sld xmlns:a="http://schemas.openxmlformats.org/drawingml/2006/main" xmlns:r="http://schemas.openxmlformats.org/officeDocument/2006/relationships" xmlns:p="http://schemas.openxmlformats.org/presentationml/2006/main">
-  <p:cSld>
-    <p:spTree>
-      <p:nvGrpSpPr>
-        <p:cNvPr id="1" name=""/>
-        <p:cNvGrpSpPr/>
-        <p:nvPr/>
-      </p:nvGrpSpPr>
-      <p:grpSpPr>
-        <a:xfrm>
-          <a:off x="0" y="0"/>
-          <a:ext cx="0" cy="0"/>
-          <a:chOff x="0" y="0"/>
-          <a:chExt cx="0" cy="0"/>
-        </a:xfrm>
-      </p:grpSpPr>
-      <p:sp>
-        <p:nvSpPr>
-          <p:cNvPr id="2" name="Title 1"/>
-          <p:cNvSpPr>
-            <a:spLocks noGrp="1"/>
-          </p:cNvSpPr>
-          <p:nvPr>
-            <p:ph type="title"/>
-          </p:nvPr>
-        </p:nvSpPr>
-        <p:spPr/>
-        <p:txBody>
-          <a:bodyPr/>
-          <a:lstStyle/>
-          <a:p>
-            <a:r>
-              <a:rPr lang="en-US" smtClean="0"/>
-              <a:t>Required Software</a:t>
-            </a:r>
-            <a:endParaRPr lang="en-US" dirty="0"/>
-          </a:p>
-        </p:txBody>
-      </p:sp>
-      <p:sp>
-        <p:nvSpPr>
-          <p:cNvPr id="3" name="Content Placeholder 2"/>
-          <p:cNvSpPr>
-            <a:spLocks noGrp="1"/>
-          </p:cNvSpPr>
-          <p:nvPr>
-            <p:ph idx="1"/>
-          </p:nvPr>
-        </p:nvSpPr>
-        <p:spPr/>
-        <p:txBody>
-          <a:bodyPr/>
-          <a:lstStyle/>
-          <a:p>
-            <a:pPr>
-              <a:lnSpc>
-                <a:spcPct val="100000"/>
-              </a:lnSpc>
-            </a:pPr>
-            <a:r>
-              <a:rPr lang="en-US" dirty="0" smtClean="0"/>
-              <a:t>A text editor, one of the following:</a:t>
-            </a:r>
-          </a:p>
-          <a:p>
-            <a:pPr lvl="1">
-              <a:lnSpc>
-                <a:spcPct val="100000"/>
-              </a:lnSpc>
-            </a:pPr>
-            <a:r>
-              <a:rPr lang="en-US" dirty="0" smtClean="0"/>
-              <a:t>Microsoft </a:t>
-            </a:r>
-            <a:r>
-              <a:rPr lang="en-US" dirty="0" smtClean="0">
-                <a:solidFill>
-                  <a:schemeClr val="accent5">
-                    <a:lumMod val="20000"/>
-                    <a:lumOff val="80000"/>
-                  </a:schemeClr>
-                </a:solidFill>
-              </a:rPr>
-              <a:t>Visual Studio </a:t>
-            </a:r>
-            <a:r>
-              <a:rPr lang="en-US" dirty="0" smtClean="0">
-                <a:solidFill>
-                  <a:schemeClr val="accent5">
-                    <a:lumMod val="20000"/>
-                    <a:lumOff val="80000"/>
-                  </a:schemeClr>
-                </a:solidFill>
-                <a:latin typeface="Consolas" pitchFamily="49" charset="0"/>
-                <a:cs typeface="Consolas" pitchFamily="49" charset="0"/>
-              </a:rPr>
-              <a:t>2012</a:t>
-            </a:r>
-            <a:r>
-              <a:rPr lang="en-US" dirty="0" smtClean="0">
-                <a:solidFill>
-                  <a:schemeClr val="accent5">
-                    <a:lumMod val="20000"/>
-                    <a:lumOff val="80000"/>
-                  </a:schemeClr>
-                </a:solidFill>
-              </a:rPr>
-              <a:t> </a:t>
-            </a:r>
-            <a:r>
-              <a:rPr lang="en-US" dirty="0" smtClean="0"/>
-              <a:t>or </a:t>
-            </a:r>
-            <a:r>
-              <a:rPr lang="en-US" dirty="0" smtClean="0">
-                <a:hlinkClick r:id="rId3"/>
-              </a:rPr>
-              <a:t>Visual Studio Express </a:t>
-            </a:r>
-            <a:r>
-              <a:rPr lang="en-US" dirty="0">
-                <a:latin typeface="Consolas" pitchFamily="49" charset="0"/>
-                <a:cs typeface="Consolas" pitchFamily="49" charset="0"/>
-                <a:hlinkClick r:id="rId3"/>
-              </a:rPr>
-              <a:t>2012</a:t>
-            </a:r>
-            <a:r>
-              <a:rPr lang="en-US" dirty="0" smtClean="0"/>
-              <a:t> (free version </a:t>
-            </a:r>
-            <a:r>
-              <a:rPr lang="en-US" dirty="0"/>
-              <a:t>of VS </a:t>
-            </a:r>
-            <a:r>
-              <a:rPr lang="en-US" dirty="0" smtClean="0">
-                <a:latin typeface="Consolas" pitchFamily="49" charset="0"/>
-                <a:cs typeface="Consolas" pitchFamily="49" charset="0"/>
-              </a:rPr>
-              <a:t>2012</a:t>
-            </a:r>
-            <a:r>
-              <a:rPr lang="en-US" dirty="0" smtClean="0"/>
-              <a:t>)</a:t>
-            </a:r>
-          </a:p>
-          <a:p>
-            <a:pPr lvl="1">
-              <a:lnSpc>
-                <a:spcPct val="100000"/>
-              </a:lnSpc>
-            </a:pPr>
-            <a:r>
-              <a:rPr lang="en-US" dirty="0" smtClean="0"/>
-              <a:t>Notepad++</a:t>
-            </a:r>
-          </a:p>
-          <a:p>
-            <a:pPr lvl="1">
-              <a:lnSpc>
-                <a:spcPct val="100000"/>
-              </a:lnSpc>
-            </a:pPr>
-            <a:r>
-              <a:rPr lang="en-US" dirty="0" smtClean="0"/>
-              <a:t>Komodo IDE</a:t>
-            </a:r>
-          </a:p>
-          <a:p>
-            <a:pPr lvl="1">
-              <a:lnSpc>
-                <a:spcPct val="100000"/>
-              </a:lnSpc>
-            </a:pPr>
-            <a:r>
-              <a:rPr lang="en-US" dirty="0" smtClean="0"/>
-              <a:t>Sublime Text</a:t>
-            </a:r>
-          </a:p>
-          <a:p>
-            <a:pPr lvl="1">
-              <a:lnSpc>
-                <a:spcPct val="100000"/>
-              </a:lnSpc>
-            </a:pPr>
-            <a:r>
-              <a:rPr lang="en-US" dirty="0" smtClean="0"/>
-              <a:t>Adobe Dreamweaver</a:t>
-            </a:r>
-          </a:p>
-          <a:p>
-            <a:pPr lvl="1">
-              <a:lnSpc>
-                <a:spcPct val="100000"/>
-              </a:lnSpc>
-            </a:pPr>
-            <a:r>
-              <a:rPr lang="en-US" dirty="0" smtClean="0"/>
-              <a:t>MS WebMatrix</a:t>
-            </a:r>
-          </a:p>
-        </p:txBody>
-      </p:sp>
-      <p:sp>
-        <p:nvSpPr>
-          <p:cNvPr id="4" name="Slide Number Placeholder 3"/>
-          <p:cNvSpPr>
-            <a:spLocks noGrp="1"/>
-          </p:cNvSpPr>
-          <p:nvPr>
-            <p:ph type="sldNum" sz="quarter" idx="10"/>
-          </p:nvPr>
-        </p:nvSpPr>
-        <p:spPr/>
-        <p:txBody>
-          <a:bodyPr/>
-          <a:lstStyle/>
-          <a:p>
-            <a:pPr>
-              <a:defRPr/>
-            </a:pPr>
-            <a:fld id="{58452FF4-89E3-4D1B-9927-2DBDC00E58D7}" type="slidenum">
-              <a:rPr lang="en-US" smtClean="0"/>
-              <a:pPr>
-                <a:defRPr/>
-              </a:pPr>
-              <a:t>12</a:t>
+              <a:t>10</a:t>
             </a:fld>
             <a:endParaRPr lang="en-US" dirty="0"/>
           </a:p>
@@ -7486,7 +6593,7 @@
 </p:sld>
 </file>
 
-<file path=ppt/slides/slide13.xml><?xml version="1.0" encoding="utf-8"?>
+<file path=ppt/slides/slide11.xml><?xml version="1.0" encoding="utf-8"?>
 <p:sld xmlns:a="http://schemas.openxmlformats.org/drawingml/2006/main" xmlns:r="http://schemas.openxmlformats.org/officeDocument/2006/relationships" xmlns:p="http://schemas.openxmlformats.org/presentationml/2006/main">
   <p:cSld>
     <p:spTree>
@@ -7678,7 +6785,6 @@
               <a:rPr lang="en-US" sz="3000" dirty="0" smtClean="0"/>
               <a:t>Examination</a:t>
             </a:r>
-            <a:endParaRPr lang="en-US" sz="3000" dirty="0" smtClean="0"/>
           </a:p>
           <a:p>
             <a:pPr marL="361950" indent="-361950">
@@ -7691,13 +6797,8 @@
             </a:pPr>
             <a:r>
               <a:rPr lang="en-US" sz="3000" dirty="0" smtClean="0"/>
-              <a:t>Learning </a:t>
-            </a:r>
-            <a:r>
-              <a:rPr lang="en-US" sz="3000" dirty="0" smtClean="0"/>
-              <a:t>Resources</a:t>
-            </a:r>
-            <a:endParaRPr lang="en-US" sz="3000" dirty="0" smtClean="0"/>
+              <a:t>Learning Resources</a:t>
+            </a:r>
           </a:p>
         </p:txBody>
       </p:sp>
@@ -8078,7 +7179,7 @@
         </p:nvSpPr>
         <p:spPr>
           <a:xfrm>
-            <a:off x="228600" y="966850"/>
+            <a:off x="228600" y="1308100"/>
             <a:ext cx="8686800" cy="5638800"/>
           </a:xfrm>
         </p:spPr>
@@ -8110,7 +7211,11 @@
             </a:pPr>
             <a:r>
               <a:rPr lang="en-US" sz="3000" dirty="0" smtClean="0"/>
-              <a:t>CSS Presentation</a:t>
+              <a:t>CSS </a:t>
+            </a:r>
+            <a:r>
+              <a:rPr lang="en-US" sz="3000" dirty="0" smtClean="0"/>
+              <a:t>Presentation</a:t>
             </a:r>
           </a:p>
           <a:p>
@@ -8124,8 +7229,9 @@
             </a:pPr>
             <a:r>
               <a:rPr lang="en-US" sz="3000" dirty="0" smtClean="0"/>
-              <a:t>CSS Display</a:t>
-            </a:r>
+              <a:t>CSS Layout</a:t>
+            </a:r>
+            <a:endParaRPr lang="en-US" sz="3000" dirty="0" smtClean="0"/>
           </a:p>
           <a:p>
             <a:pPr marL="450850" indent="-450850">
@@ -8138,8 +7244,9 @@
             </a:pPr>
             <a:r>
               <a:rPr lang="en-US" sz="3000" dirty="0" smtClean="0"/>
-              <a:t>CSS Layout</a:t>
-            </a:r>
+              <a:t>Preprocessors (for CSS)</a:t>
+            </a:r>
+            <a:endParaRPr lang="en-US" sz="3000" dirty="0" smtClean="0"/>
           </a:p>
           <a:p>
             <a:pPr marL="450850" indent="-450850">
@@ -8152,8 +7259,9 @@
             </a:pPr>
             <a:r>
               <a:rPr lang="en-US" sz="3000" dirty="0" smtClean="0"/>
-              <a:t>Preprocessors and SASS </a:t>
-            </a:r>
+              <a:t>Exam Preparation</a:t>
+            </a:r>
+            <a:endParaRPr lang="en-US" sz="3000" dirty="0" smtClean="0"/>
           </a:p>
           <a:p>
             <a:pPr marL="450850" indent="-450850">
@@ -8165,34 +7273,6 @@
               <a:tabLst/>
             </a:pPr>
             <a:r>
-              <a:rPr lang="en-US" sz="3000" dirty="0" smtClean="0"/>
-              <a:t>LESS</a:t>
-            </a:r>
-          </a:p>
-          <a:p>
-            <a:pPr marL="450850" indent="-450850">
-              <a:lnSpc>
-                <a:spcPct val="103000"/>
-              </a:lnSpc>
-              <a:buFont typeface="+mj-lt"/>
-              <a:buAutoNum type="arabicPeriod"/>
-              <a:tabLst/>
-            </a:pPr>
-            <a:r>
-              <a:rPr lang="en-US" sz="3000" dirty="0" smtClean="0"/>
-              <a:t>Test Preparation</a:t>
-            </a:r>
-          </a:p>
-          <a:p>
-            <a:pPr marL="450850" indent="-450850">
-              <a:lnSpc>
-                <a:spcPct val="103000"/>
-              </a:lnSpc>
-              <a:buFont typeface="+mj-lt"/>
-              <a:buAutoNum type="arabicPeriod"/>
-              <a:tabLst/>
-            </a:pPr>
-            <a:r>
               <a:rPr lang="en-US" sz="3000" dirty="0" smtClean="0">
                 <a:solidFill>
                   <a:schemeClr val="accent5">
@@ -8201,8 +7281,27 @@
                   </a:schemeClr>
                 </a:solidFill>
               </a:rPr>
-              <a:t>CSS Test</a:t>
-            </a:r>
+              <a:t>CSS </a:t>
+            </a:r>
+            <a:r>
+              <a:rPr lang="en-US" sz="3000" dirty="0" smtClean="0">
+                <a:solidFill>
+                  <a:schemeClr val="accent5">
+                    <a:lumMod val="20000"/>
+                    <a:lumOff val="80000"/>
+                  </a:schemeClr>
+                </a:solidFill>
+              </a:rPr>
+              <a:t>Exam</a:t>
+            </a:r>
+            <a:endParaRPr lang="en-US" sz="3000" dirty="0" smtClean="0">
+              <a:solidFill>
+                <a:schemeClr val="accent5">
+                  <a:lumMod val="20000"/>
+                  <a:lumOff val="80000"/>
+                </a:schemeClr>
+              </a:solidFill>
+            </a:endParaRPr>
           </a:p>
         </p:txBody>
       </p:sp>
@@ -8411,7 +7510,11 @@
             <a:pPr algn="r"/>
             <a:r>
               <a:rPr lang="en-US" dirty="0" smtClean="0"/>
-              <a:t>Test &amp; Examination Criteria</a:t>
+              <a:t>Examination </a:t>
+            </a:r>
+            <a:r>
+              <a:rPr lang="en-US" dirty="0" smtClean="0"/>
+              <a:t>Criteria</a:t>
             </a:r>
             <a:endParaRPr lang="en-US" dirty="0"/>
           </a:p>
@@ -8620,7 +7723,7 @@
       </p:grpSpPr>
       <p:sp>
         <p:nvSpPr>
-          <p:cNvPr id="2" name="Title 1"/>
+          <p:cNvPr id="4" name="Title 3"/>
           <p:cNvSpPr>
             <a:spLocks noGrp="1"/>
           </p:cNvSpPr>
@@ -8635,7 +7738,11 @@
           <a:p>
             <a:r>
               <a:rPr lang="en-US" dirty="0" smtClean="0"/>
-              <a:t>Scoring System for CSS Styling</a:t>
+              <a:t>CSS – </a:t>
+            </a:r>
+            <a:r>
+              <a:rPr lang="en-US" dirty="0" smtClean="0"/>
+              <a:t>Evaluation</a:t>
             </a:r>
             <a:endParaRPr lang="en-US" dirty="0"/>
           </a:p>
@@ -8643,7 +7750,7 @@
       </p:sp>
       <p:sp>
         <p:nvSpPr>
-          <p:cNvPr id="3" name="Content Placeholder 2"/>
+          <p:cNvPr id="5" name="Content Placeholder 4"/>
           <p:cNvSpPr>
             <a:spLocks noGrp="1"/>
           </p:cNvSpPr>
@@ -8653,16 +7760,40 @@
         </p:nvSpPr>
         <p:spPr>
           <a:xfrm>
-            <a:off x="228600" y="990600"/>
-            <a:ext cx="8686800" cy="5562600"/>
+            <a:off x="228600" y="790700"/>
+            <a:ext cx="8686800" cy="5867400"/>
           </a:xfrm>
         </p:spPr>
         <p:txBody>
           <a:bodyPr/>
           <a:lstStyle/>
           <a:p>
-            <a:r>
-              <a:rPr lang="en-US" sz="3000" dirty="0">
+            <a:pPr>
+              <a:lnSpc>
+                <a:spcPct val="95000"/>
+              </a:lnSpc>
+            </a:pPr>
+            <a:r>
+              <a:rPr lang="en-US" dirty="0" smtClean="0"/>
+              <a:t>Evaluation components</a:t>
+            </a:r>
+            <a:endParaRPr lang="en-US" dirty="0">
+              <a:solidFill>
+                <a:schemeClr val="accent5">
+                  <a:lumMod val="20000"/>
+                  <a:lumOff val="80000"/>
+                </a:schemeClr>
+              </a:solidFill>
+            </a:endParaRPr>
+          </a:p>
+          <a:p>
+            <a:pPr lvl="1">
+              <a:lnSpc>
+                <a:spcPct val="95000"/>
+              </a:lnSpc>
+            </a:pPr>
+            <a:r>
+              <a:rPr lang="en-US" dirty="0" smtClean="0">
                 <a:solidFill>
                   <a:schemeClr val="accent5">
                     <a:lumMod val="20000"/>
@@ -8670,14 +7801,18 @@
                   </a:schemeClr>
                 </a:solidFill>
               </a:rPr>
-              <a:t>Attendance </a:t>
-            </a:r>
-            <a:r>
-              <a:rPr lang="en-US" sz="3000" dirty="0" smtClean="0"/>
+              <a:t>Practical exam</a:t>
+            </a:r>
+            <a:r>
+              <a:rPr lang="en-US" dirty="0" smtClean="0"/>
+              <a:t> </a:t>
+            </a:r>
+            <a:r>
+              <a:rPr lang="en-US" dirty="0"/>
               <a:t>– </a:t>
             </a:r>
             <a:r>
-              <a:rPr lang="en-US" sz="3000" dirty="0">
+              <a:rPr lang="en-US" dirty="0" smtClean="0">
                 <a:solidFill>
                   <a:schemeClr val="accent5">
                     <a:lumMod val="20000"/>
@@ -8687,10 +7822,10 @@
                 <a:latin typeface="Consolas" pitchFamily="49" charset="0"/>
                 <a:cs typeface="Consolas" pitchFamily="49" charset="0"/>
               </a:rPr>
-              <a:t>10</a:t>
-            </a:r>
-            <a:r>
-              <a:rPr lang="en-US" sz="3000" dirty="0">
+              <a:t>75</a:t>
+            </a:r>
+            <a:r>
+              <a:rPr lang="en-US" dirty="0" smtClean="0">
                 <a:solidFill>
                   <a:schemeClr val="accent5">
                     <a:lumMod val="20000"/>
@@ -8702,8 +7837,13 @@
             </a:r>
           </a:p>
           <a:p>
-            <a:r>
-              <a:rPr lang="en-US" sz="3000" dirty="0" smtClean="0">
+            <a:pPr lvl="1">
+              <a:lnSpc>
+                <a:spcPct val="95000"/>
+              </a:lnSpc>
+            </a:pPr>
+            <a:r>
+              <a:rPr lang="en-US" dirty="0" smtClean="0">
                 <a:solidFill>
                   <a:schemeClr val="accent5">
                     <a:lumMod val="20000"/>
@@ -8711,18 +7851,18 @@
                   </a:schemeClr>
                 </a:solidFill>
               </a:rPr>
-              <a:t>Test</a:t>
-            </a:r>
-            <a:r>
-              <a:rPr lang="en-US" sz="3000" dirty="0" smtClean="0"/>
+              <a:t>Homework</a:t>
+            </a:r>
+            <a:r>
+              <a:rPr lang="en-US" dirty="0" smtClean="0"/>
               <a:t> </a:t>
             </a:r>
             <a:r>
-              <a:rPr lang="en-US" sz="3000" dirty="0"/>
+              <a:rPr lang="en-US" dirty="0"/>
               <a:t>– </a:t>
             </a:r>
             <a:r>
-              <a:rPr lang="en-US" sz="3000" dirty="0" smtClean="0">
+              <a:rPr lang="en-US" dirty="0" smtClean="0">
                 <a:solidFill>
                   <a:schemeClr val="accent5">
                     <a:lumMod val="20000"/>
@@ -8732,10 +7872,10 @@
                 <a:latin typeface="Consolas" pitchFamily="49" charset="0"/>
                 <a:cs typeface="Consolas" pitchFamily="49" charset="0"/>
               </a:rPr>
-              <a:t>65</a:t>
-            </a:r>
-            <a:r>
-              <a:rPr lang="en-US" sz="3000" dirty="0" smtClean="0">
+              <a:t>10</a:t>
+            </a:r>
+            <a:r>
+              <a:rPr lang="en-US" dirty="0" smtClean="0">
                 <a:solidFill>
                   <a:schemeClr val="accent5">
                     <a:lumMod val="20000"/>
@@ -8745,10 +7885,27 @@
               </a:rPr>
               <a:t>%</a:t>
             </a:r>
-          </a:p>
-          <a:p>
-            <a:r>
-              <a:rPr lang="en-US" sz="3000" dirty="0" smtClean="0">
+            <a:endParaRPr lang="en-US" dirty="0">
+              <a:solidFill>
+                <a:schemeClr val="accent5">
+                  <a:lumMod val="20000"/>
+                  <a:lumOff val="80000"/>
+                </a:schemeClr>
+              </a:solidFill>
+            </a:endParaRPr>
+          </a:p>
+          <a:p>
+            <a:pPr lvl="1">
+              <a:lnSpc>
+                <a:spcPct val="95000"/>
+              </a:lnSpc>
+            </a:pPr>
+            <a:r>
+              <a:rPr lang="en-US" dirty="0"/>
+              <a:t>Homework </a:t>
+            </a:r>
+            <a:r>
+              <a:rPr lang="en-US" dirty="0">
                 <a:solidFill>
                   <a:schemeClr val="accent5">
                     <a:lumMod val="20000"/>
@@ -8756,14 +7913,14 @@
                   </a:schemeClr>
                 </a:solidFill>
               </a:rPr>
-              <a:t>Homework </a:t>
-            </a:r>
-            <a:r>
-              <a:rPr lang="en-US" sz="3000" dirty="0" smtClean="0"/>
+              <a:t>evaluation </a:t>
+            </a:r>
+            <a:r>
+              <a:rPr lang="en-US" dirty="0" smtClean="0"/>
               <a:t>– </a:t>
             </a:r>
             <a:r>
-              <a:rPr lang="en-US" sz="3000" dirty="0">
+              <a:rPr lang="bg-BG" dirty="0" smtClean="0">
                 <a:solidFill>
                   <a:schemeClr val="accent5">
                     <a:lumMod val="20000"/>
@@ -8773,23 +7930,193 @@
                 <a:latin typeface="Consolas" pitchFamily="49" charset="0"/>
                 <a:cs typeface="Consolas" pitchFamily="49" charset="0"/>
               </a:rPr>
-              <a:t>2</a:t>
-            </a:r>
-            <a:r>
-              <a:rPr lang="en-US" sz="3000" dirty="0" smtClean="0">
+              <a:t>5</a:t>
+            </a:r>
+            <a:r>
+              <a:rPr lang="en-US" dirty="0" smtClean="0">
                 <a:solidFill>
                   <a:schemeClr val="accent5">
                     <a:lumMod val="20000"/>
                     <a:lumOff val="80000"/>
                   </a:schemeClr>
                 </a:solidFill>
+              </a:rPr>
+              <a:t>%</a:t>
+            </a:r>
+          </a:p>
+          <a:p>
+            <a:pPr lvl="2">
+              <a:lnSpc>
+                <a:spcPct val="95000"/>
+              </a:lnSpc>
+            </a:pPr>
+            <a:r>
+              <a:rPr lang="en-US" dirty="0" smtClean="0">
+                <a:solidFill>
+                  <a:schemeClr val="tx1">
+                    <a:lumMod val="40000"/>
+                    <a:lumOff val="60000"/>
+                  </a:schemeClr>
+                </a:solidFill>
+                <a:latin typeface="Consolas" panose="020B0609020204030204" pitchFamily="49" charset="0"/>
+                <a:cs typeface="Consolas" panose="020B0609020204030204" pitchFamily="49" charset="0"/>
+              </a:rPr>
+              <a:t>3</a:t>
+            </a:r>
+            <a:r>
+              <a:rPr lang="en-US" dirty="0" smtClean="0">
+                <a:solidFill>
+                  <a:schemeClr val="tx1">
+                    <a:lumMod val="40000"/>
+                    <a:lumOff val="60000"/>
+                  </a:schemeClr>
+                </a:solidFill>
+              </a:rPr>
+              <a:t> peer </a:t>
+            </a:r>
+            <a:r>
+              <a:rPr lang="en-US" dirty="0">
+                <a:solidFill>
+                  <a:schemeClr val="tx1">
+                    <a:lumMod val="40000"/>
+                    <a:lumOff val="60000"/>
+                  </a:schemeClr>
+                </a:solidFill>
+              </a:rPr>
+              <a:t>reviews </a:t>
+            </a:r>
+            <a:r>
+              <a:rPr lang="en-US" dirty="0" smtClean="0">
+                <a:solidFill>
+                  <a:schemeClr val="tx1">
+                    <a:lumMod val="40000"/>
+                    <a:lumOff val="60000"/>
+                  </a:schemeClr>
+                </a:solidFill>
+              </a:rPr>
+              <a:t>per homework</a:t>
+            </a:r>
+            <a:endParaRPr lang="bg-BG" dirty="0" smtClean="0">
+              <a:solidFill>
+                <a:schemeClr val="tx1">
+                  <a:lumMod val="40000"/>
+                  <a:lumOff val="60000"/>
+                </a:schemeClr>
+              </a:solidFill>
+            </a:endParaRPr>
+          </a:p>
+          <a:p>
+            <a:pPr lvl="1">
+              <a:lnSpc>
+                <a:spcPct val="95000"/>
+              </a:lnSpc>
+            </a:pPr>
+            <a:r>
+              <a:rPr lang="en-US" dirty="0">
+                <a:solidFill>
+                  <a:schemeClr val="accent5">
+                    <a:lumMod val="20000"/>
+                    <a:lumOff val="80000"/>
+                  </a:schemeClr>
+                </a:solidFill>
+              </a:rPr>
+              <a:t>Attendance</a:t>
+            </a:r>
+            <a:r>
+              <a:rPr lang="en-US" dirty="0" smtClean="0">
+                <a:solidFill>
+                  <a:schemeClr val="tx1">
+                    <a:lumMod val="40000"/>
+                    <a:lumOff val="60000"/>
+                  </a:schemeClr>
+                </a:solidFill>
+              </a:rPr>
+              <a:t> – </a:t>
+            </a:r>
+            <a:r>
+              <a:rPr lang="en-US" dirty="0">
+                <a:solidFill>
+                  <a:schemeClr val="accent5">
+                    <a:lumMod val="20000"/>
+                    <a:lumOff val="80000"/>
+                  </a:schemeClr>
+                </a:solidFill>
+                <a:latin typeface="Consolas" pitchFamily="49" charset="0"/>
+                <a:cs typeface="Consolas" pitchFamily="49" charset="0"/>
+              </a:rPr>
+              <a:t>10%</a:t>
+            </a:r>
+          </a:p>
+          <a:p>
+            <a:pPr>
+              <a:lnSpc>
+                <a:spcPct val="95000"/>
+              </a:lnSpc>
+            </a:pPr>
+            <a:r>
+              <a:rPr lang="en-US" dirty="0" smtClean="0"/>
+              <a:t>Bonuses</a:t>
+            </a:r>
+            <a:endParaRPr lang="en-US" dirty="0">
+              <a:solidFill>
+                <a:schemeClr val="accent5">
+                  <a:lumMod val="20000"/>
+                  <a:lumOff val="80000"/>
+                </a:schemeClr>
+              </a:solidFill>
+            </a:endParaRPr>
+          </a:p>
+          <a:p>
+            <a:pPr lvl="1">
+              <a:lnSpc>
+                <a:spcPct val="95000"/>
+              </a:lnSpc>
+            </a:pPr>
+            <a:r>
+              <a:rPr lang="en-US" dirty="0" smtClean="0">
+                <a:solidFill>
+                  <a:schemeClr val="accent5">
+                    <a:lumMod val="20000"/>
+                    <a:lumOff val="80000"/>
+                  </a:schemeClr>
+                </a:solidFill>
+              </a:rPr>
+              <a:t>Forums</a:t>
+            </a:r>
+            <a:r>
+              <a:rPr lang="en-US" dirty="0" smtClean="0"/>
+              <a:t> </a:t>
+            </a:r>
+            <a:r>
+              <a:rPr lang="en-US" dirty="0" smtClean="0">
+                <a:solidFill>
+                  <a:schemeClr val="accent5">
+                    <a:lumMod val="20000"/>
+                    <a:lumOff val="80000"/>
+                  </a:schemeClr>
+                </a:solidFill>
+              </a:rPr>
+              <a:t>activity</a:t>
+            </a:r>
+            <a:r>
+              <a:rPr lang="en-US" dirty="0" smtClean="0"/>
+              <a:t> – bonus up to </a:t>
+            </a:r>
+            <a:r>
+              <a:rPr lang="en-US" dirty="0">
+                <a:solidFill>
+                  <a:schemeClr val="accent5">
+                    <a:lumMod val="20000"/>
+                    <a:lumOff val="80000"/>
+                  </a:schemeClr>
+                </a:solidFill>
                 <a:latin typeface="Consolas" pitchFamily="49" charset="0"/>
                 <a:cs typeface="Consolas" pitchFamily="49" charset="0"/>
               </a:rPr>
               <a:t>5</a:t>
             </a:r>
             <a:r>
-              <a:rPr lang="en-US" sz="3000" dirty="0" smtClean="0">
+              <a:rPr lang="en-US" dirty="0" smtClean="0">
                 <a:solidFill>
                   <a:schemeClr val="accent5">
                     <a:lumMod val="20000"/>
@@ -8800,228 +8127,11 @@
               <a:t>%</a:t>
             </a:r>
           </a:p>
-          <a:p>
-            <a:r>
-              <a:rPr lang="en-US" sz="3000" dirty="0" smtClean="0">
-                <a:solidFill>
-                  <a:schemeClr val="accent5">
-                    <a:lumMod val="20000"/>
-                    <a:lumOff val="80000"/>
-                  </a:schemeClr>
-                </a:solidFill>
-              </a:rPr>
-              <a:t>Forums</a:t>
-            </a:r>
-            <a:r>
-              <a:rPr lang="en-US" sz="3000" dirty="0" smtClean="0"/>
-              <a:t> </a:t>
-            </a:r>
-            <a:r>
-              <a:rPr lang="en-US" sz="3000" dirty="0" smtClean="0">
-                <a:solidFill>
-                  <a:schemeClr val="accent5">
-                    <a:lumMod val="20000"/>
-                    <a:lumOff val="80000"/>
-                  </a:schemeClr>
-                </a:solidFill>
-              </a:rPr>
-              <a:t>activity</a:t>
-            </a:r>
-            <a:r>
-              <a:rPr lang="en-US" sz="3000" dirty="0" smtClean="0"/>
-              <a:t> – bonus up to </a:t>
-            </a:r>
-            <a:r>
-              <a:rPr lang="en-US" sz="3000" dirty="0" smtClean="0">
-                <a:solidFill>
-                  <a:schemeClr val="accent5">
-                    <a:lumMod val="20000"/>
-                    <a:lumOff val="80000"/>
-                  </a:schemeClr>
-                </a:solidFill>
-                <a:latin typeface="Consolas" pitchFamily="49" charset="0"/>
-                <a:cs typeface="Consolas" pitchFamily="49" charset="0"/>
-              </a:rPr>
-              <a:t>10</a:t>
-            </a:r>
-            <a:r>
-              <a:rPr lang="en-US" sz="3000" dirty="0" smtClean="0">
-                <a:solidFill>
-                  <a:schemeClr val="accent5">
-                    <a:lumMod val="20000"/>
-                    <a:lumOff val="80000"/>
-                  </a:schemeClr>
-                </a:solidFill>
-              </a:rPr>
-              <a:t>%</a:t>
-            </a:r>
-          </a:p>
-          <a:p>
-            <a:r>
-              <a:rPr lang="en-US" sz="3000" dirty="0" smtClean="0">
-                <a:solidFill>
-                  <a:schemeClr val="accent5">
-                    <a:lumMod val="20000"/>
-                    <a:lumOff val="80000"/>
-                  </a:schemeClr>
-                </a:solidFill>
-              </a:rPr>
-              <a:t>PC Magazine &amp; Telerik Contest</a:t>
-            </a:r>
-            <a:r>
-              <a:rPr lang="en-US" sz="3000" dirty="0"/>
-              <a:t> – bonus up to </a:t>
-            </a:r>
-            <a:r>
-              <a:rPr lang="en-US" sz="3000" dirty="0">
-                <a:solidFill>
-                  <a:schemeClr val="accent5">
-                    <a:lumMod val="20000"/>
-                    <a:lumOff val="80000"/>
-                  </a:schemeClr>
-                </a:solidFill>
-                <a:latin typeface="Consolas" pitchFamily="49" charset="0"/>
-                <a:cs typeface="Consolas" pitchFamily="49" charset="0"/>
-              </a:rPr>
-              <a:t>10</a:t>
-            </a:r>
-            <a:r>
-              <a:rPr lang="en-US" sz="3000" dirty="0" smtClean="0">
-                <a:solidFill>
-                  <a:schemeClr val="accent5">
-                    <a:lumMod val="20000"/>
-                    <a:lumOff val="80000"/>
-                  </a:schemeClr>
-                </a:solidFill>
-              </a:rPr>
-              <a:t>%</a:t>
-            </a:r>
-          </a:p>
-          <a:p>
-            <a:r>
-              <a:rPr lang="en-US" sz="3000" dirty="0" smtClean="0">
-                <a:solidFill>
-                  <a:schemeClr val="accent5">
-                    <a:lumMod val="20000"/>
-                    <a:lumOff val="80000"/>
-                  </a:schemeClr>
-                </a:solidFill>
-              </a:rPr>
-              <a:t>Helping</a:t>
-            </a:r>
-            <a:r>
-              <a:rPr lang="en-US" sz="3000" dirty="0" smtClean="0"/>
-              <a:t> </a:t>
-            </a:r>
-            <a:r>
-              <a:rPr lang="en-US" sz="3000" dirty="0"/>
-              <a:t>the </a:t>
-            </a:r>
-            <a:r>
-              <a:rPr lang="en-US" sz="3000" dirty="0">
-                <a:solidFill>
-                  <a:schemeClr val="accent5">
-                    <a:lumMod val="20000"/>
-                    <a:lumOff val="80000"/>
-                  </a:schemeClr>
-                </a:solidFill>
-              </a:rPr>
-              <a:t>other</a:t>
-            </a:r>
-            <a:r>
-              <a:rPr lang="en-US" sz="3000" dirty="0"/>
-              <a:t> students – bonus </a:t>
-            </a:r>
-            <a:r>
-              <a:rPr lang="en-US" sz="3000" dirty="0" smtClean="0"/>
-              <a:t>up </a:t>
-            </a:r>
-            <a:r>
-              <a:rPr lang="en-US" sz="3000" dirty="0"/>
-              <a:t>to </a:t>
-            </a:r>
-            <a:r>
-              <a:rPr lang="en-US" sz="3000" dirty="0" smtClean="0">
-                <a:solidFill>
-                  <a:schemeClr val="accent5">
-                    <a:lumMod val="20000"/>
-                    <a:lumOff val="80000"/>
-                  </a:schemeClr>
-                </a:solidFill>
-                <a:latin typeface="Consolas" pitchFamily="49" charset="0"/>
-                <a:cs typeface="Consolas" pitchFamily="49" charset="0"/>
-              </a:rPr>
-              <a:t>10</a:t>
-            </a:r>
-            <a:r>
-              <a:rPr lang="en-US" sz="3000" dirty="0" smtClean="0">
-                <a:solidFill>
-                  <a:schemeClr val="accent5">
-                    <a:lumMod val="20000"/>
-                    <a:lumOff val="80000"/>
-                  </a:schemeClr>
-                </a:solidFill>
-              </a:rPr>
-              <a:t>%</a:t>
-            </a:r>
-          </a:p>
-          <a:p>
-            <a:r>
-              <a:rPr lang="en-US" sz="3000" dirty="0" smtClean="0">
-                <a:solidFill>
-                  <a:schemeClr val="accent5">
-                    <a:lumMod val="20000"/>
-                    <a:lumOff val="80000"/>
-                  </a:schemeClr>
-                </a:solidFill>
-              </a:rPr>
-              <a:t>Knowledge </a:t>
-            </a:r>
-            <a:r>
-              <a:rPr lang="en-US" sz="3000" dirty="0">
-                <a:solidFill>
-                  <a:schemeClr val="accent5">
-                    <a:lumMod val="20000"/>
-                    <a:lumOff val="80000"/>
-                  </a:schemeClr>
-                </a:solidFill>
-              </a:rPr>
-              <a:t>sharing / blogging </a:t>
-            </a:r>
-            <a:r>
-              <a:rPr lang="en-US" sz="3000" dirty="0"/>
-              <a:t>– bonus up to </a:t>
-            </a:r>
-            <a:r>
-              <a:rPr lang="en-US" sz="3000" dirty="0">
-                <a:solidFill>
-                  <a:schemeClr val="accent5">
-                    <a:lumMod val="20000"/>
-                    <a:lumOff val="80000"/>
-                  </a:schemeClr>
-                </a:solidFill>
-                <a:latin typeface="Consolas" pitchFamily="49" charset="0"/>
-                <a:cs typeface="Consolas" pitchFamily="49" charset="0"/>
-              </a:rPr>
-              <a:t>20</a:t>
-            </a:r>
-            <a:r>
-              <a:rPr lang="en-US" sz="3000" dirty="0" smtClean="0">
-                <a:solidFill>
-                  <a:schemeClr val="accent5">
-                    <a:lumMod val="20000"/>
-                    <a:lumOff val="80000"/>
-                  </a:schemeClr>
-                </a:solidFill>
-              </a:rPr>
-              <a:t>%</a:t>
-            </a:r>
-          </a:p>
         </p:txBody>
       </p:sp>
       <p:sp>
         <p:nvSpPr>
-          <p:cNvPr id="4" name="Slide Number Placeholder 3"/>
+          <p:cNvPr id="6" name="Slide Number Placeholder 3"/>
           <p:cNvSpPr>
             <a:spLocks noGrp="1"/>
           </p:cNvSpPr>
@@ -9029,7 +8139,12 @@
             <p:ph type="sldNum" sz="quarter" idx="10"/>
           </p:nvPr>
         </p:nvSpPr>
-        <p:spPr/>
+        <p:spPr>
+          <a:xfrm>
+            <a:off x="8610600" y="6553200"/>
+            <a:ext cx="457200" cy="228600"/>
+          </a:xfrm>
+        </p:spPr>
         <p:txBody>
           <a:bodyPr/>
           <a:lstStyle/>
@@ -9037,21 +8152,114 @@
             <a:pPr>
               <a:defRPr/>
             </a:pPr>
-            <a:fld id="{58452FF4-89E3-4D1B-9927-2DBDC00E58D7}" type="slidenum">
+            <a:fld id="{65F6953F-1329-4013-BAA1-01481098A94E}" type="slidenum">
               <a:rPr lang="en-US" smtClean="0"/>
-              <a:pPr>
-                <a:defRPr/>
-              </a:pPr>
               <a:t>6</a:t>
             </a:fld>
             <a:endParaRPr lang="en-US" dirty="0"/>
           </a:p>
         </p:txBody>
       </p:sp>
+      <p:pic>
+        <p:nvPicPr>
+          <p:cNvPr id="12290" name="Picture 2" descr="http://us.123rf.com/400wm/400/400/ivelinradkov/ivelinradkov1108/ivelinradkov110800011/10309197-customer-service-evaluation-form-with-green-tick-on-excellent-with-felt-tip-pen.jpg"/>
+          <p:cNvPicPr>
+            <a:picLocks noChangeAspect="1" noChangeArrowheads="1"/>
+          </p:cNvPicPr>
+          <p:nvPr/>
+        </p:nvPicPr>
+        <p:blipFill rotWithShape="1">
+          <a:blip r:embed="rId2" cstate="screen">
+            <a:extLst>
+              <a:ext uri="{28A0092B-C50C-407E-A947-70E740481C1C}">
+                <a14:useLocalDpi xmlns:a14="http://schemas.microsoft.com/office/drawing/2010/main"/>
+              </a:ext>
+            </a:extLst>
+          </a:blip>
+          <a:srcRect/>
+          <a:stretch/>
+        </p:blipFill>
+        <p:spPr bwMode="auto">
+          <a:xfrm>
+            <a:off x="6172200" y="1186204"/>
+            <a:ext cx="2438400" cy="1216286"/>
+          </a:xfrm>
+          <a:prstGeom prst="rect">
+            <a:avLst/>
+          </a:prstGeom>
+          <a:noFill/>
+          <a:ln>
+            <a:solidFill>
+              <a:schemeClr val="accent5">
+                <a:lumMod val="20000"/>
+                <a:lumOff val="80000"/>
+              </a:schemeClr>
+            </a:solidFill>
+          </a:ln>
+          <a:extLst>
+            <a:ext uri="{909E8E84-426E-40DD-AFC4-6F175D3DCCD1}">
+              <a14:hiddenFill xmlns:a14="http://schemas.microsoft.com/office/drawing/2010/main">
+                <a:solidFill>
+                  <a:srgbClr val="FFFFFF"/>
+                </a:solidFill>
+              </a14:hiddenFill>
+            </a:ext>
+          </a:extLst>
+        </p:spPr>
+      </p:pic>
+      <p:pic>
+        <p:nvPicPr>
+          <p:cNvPr id="12292" name="Picture 4" descr="http://academy.telerik.com/images/default-album/telerik-software-academy-exam.jpg?sfvrsn=2"/>
+          <p:cNvPicPr>
+            <a:picLocks noChangeAspect="1" noChangeArrowheads="1"/>
+          </p:cNvPicPr>
+          <p:nvPr/>
+        </p:nvPicPr>
+        <p:blipFill>
+          <a:blip r:embed="rId3" cstate="screen">
+            <a:extLst>
+              <a:ext uri="{28A0092B-C50C-407E-A947-70E740481C1C}">
+                <a14:useLocalDpi xmlns:a14="http://schemas.microsoft.com/office/drawing/2010/main"/>
+              </a:ext>
+            </a:extLst>
+          </a:blip>
+          <a:srcRect/>
+          <a:stretch>
+            <a:fillRect/>
+          </a:stretch>
+        </p:blipFill>
+        <p:spPr bwMode="auto">
+          <a:xfrm>
+            <a:off x="6172200" y="2952410"/>
+            <a:ext cx="2438400" cy="1508760"/>
+          </a:xfrm>
+          <a:prstGeom prst="rect">
+            <a:avLst/>
+          </a:prstGeom>
+          <a:noFill/>
+          <a:ln>
+            <a:solidFill>
+              <a:schemeClr val="accent5">
+                <a:lumMod val="20000"/>
+                <a:lumOff val="80000"/>
+              </a:schemeClr>
+            </a:solidFill>
+          </a:ln>
+          <a:extLst>
+            <a:ext uri="{909E8E84-426E-40DD-AFC4-6F175D3DCCD1}">
+              <a14:hiddenFill xmlns:a14="http://schemas.microsoft.com/office/drawing/2010/main">
+                <a:solidFill>
+                  <a:srgbClr val="FFFFFF"/>
+                </a:solidFill>
+              </a14:hiddenFill>
+            </a:ext>
+          </a:extLst>
+        </p:spPr>
+      </p:pic>
     </p:spTree>
     <p:extLst>
       <p:ext uri="{BB962C8B-B14F-4D97-AF65-F5344CB8AC3E}">
-        <p14:creationId xmlns:p14="http://schemas.microsoft.com/office/powerpoint/2010/main" val="1257871668"/>
+        <p14:creationId xmlns:p14="http://schemas.microsoft.com/office/powerpoint/2010/main" val="1183143155"/>
       </p:ext>
     </p:extLst>
   </p:cSld>
@@ -9102,7 +8310,7 @@
           <a:p>
             <a:r>
               <a:rPr lang="en-US" dirty="0" smtClean="0"/>
-              <a:t>CSS Test – Sample Question</a:t>
+              <a:t>Pass / Fail / Excellence Criteria</a:t>
             </a:r>
             <a:endParaRPr lang="en-US" dirty="0"/>
           </a:p>
@@ -9120,8 +8328,8 @@
         </p:nvSpPr>
         <p:spPr>
           <a:xfrm>
-            <a:off x="228600" y="838200"/>
-            <a:ext cx="8686800" cy="5791200"/>
+            <a:off x="228600" y="1676400"/>
+            <a:ext cx="8686800" cy="5029200"/>
           </a:xfrm>
         </p:spPr>
         <p:txBody>
@@ -9130,39 +8338,155 @@
           <a:p>
             <a:r>
               <a:rPr lang="en-US" dirty="0" smtClean="0"/>
-              <a:t>You are given the following HTML &amp; CSS code:</a:t>
-            </a:r>
-          </a:p>
-          <a:p>
-            <a:endParaRPr lang="en-US" dirty="0"/>
-          </a:p>
-          <a:p>
-            <a:endParaRPr lang="en-US" dirty="0" smtClean="0"/>
-          </a:p>
-          <a:p>
-            <a:endParaRPr lang="en-US" dirty="0"/>
-          </a:p>
-          <a:p>
-            <a:endParaRPr lang="en-US" dirty="0" smtClean="0"/>
-          </a:p>
-          <a:p>
-            <a:pPr>
-              <a:lnSpc>
-                <a:spcPct val="100000"/>
-              </a:lnSpc>
-            </a:pPr>
+              <a:t>CSS Test – pass / fail / excellence criteria:</a:t>
+            </a:r>
+          </a:p>
+          <a:p>
+            <a:pPr lvl="1"/>
             <a:r>
               <a:rPr lang="en-US" dirty="0" smtClean="0"/>
-              <a:t>W</a:t>
+              <a:t>Test</a:t>
+            </a:r>
+          </a:p>
+          <a:p>
+            <a:pPr lvl="2"/>
+            <a:r>
+              <a:rPr lang="en-US" dirty="0" smtClean="0"/>
+              <a:t>Very low results </a:t>
+            </a:r>
+            <a:r>
+              <a:rPr lang="en-US" dirty="0" smtClean="0">
+                <a:sym typeface="Wingdings" pitchFamily="2" charset="2"/>
+              </a:rPr>
+              <a:t> </a:t>
+            </a:r>
+            <a:r>
+              <a:rPr lang="en-US" dirty="0" smtClean="0">
+                <a:solidFill>
+                  <a:schemeClr val="accent5">
+                    <a:lumMod val="20000"/>
+                    <a:lumOff val="80000"/>
+                  </a:schemeClr>
+                </a:solidFill>
+                <a:sym typeface="Wingdings" pitchFamily="2" charset="2"/>
+              </a:rPr>
+              <a:t>fail </a:t>
+            </a:r>
+            <a:r>
+              <a:rPr lang="en-US" dirty="0" smtClean="0">
+                <a:sym typeface="Wingdings" pitchFamily="2" charset="2"/>
+              </a:rPr>
+              <a:t>(course not taken)</a:t>
+            </a:r>
+            <a:endParaRPr lang="bg-BG" dirty="0" smtClean="0"/>
+          </a:p>
+          <a:p>
+            <a:pPr lvl="2"/>
+            <a:r>
+              <a:rPr lang="en-US" dirty="0" smtClean="0"/>
+              <a:t>Average </a:t>
             </a:r>
             <a:r>
               <a:rPr lang="en-US" dirty="0"/>
-              <a:t>ha</a:t>
-            </a:r>
-            <a:r>
-              <a:rPr lang="en-US" dirty="0" smtClean="0"/>
-              <a:t>t will be the output?</a:t>
-            </a:r>
+              <a:t>results </a:t>
+            </a:r>
+            <a:r>
+              <a:rPr lang="en-US" dirty="0">
+                <a:sym typeface="Wingdings" pitchFamily="2" charset="2"/>
+              </a:rPr>
+              <a:t> </a:t>
+            </a:r>
+            <a:r>
+              <a:rPr lang="en-US" dirty="0" smtClean="0">
+                <a:solidFill>
+                  <a:schemeClr val="accent5">
+                    <a:lumMod val="20000"/>
+                    <a:lumOff val="80000"/>
+                  </a:schemeClr>
+                </a:solidFill>
+                <a:sym typeface="Wingdings" pitchFamily="2" charset="2"/>
+              </a:rPr>
+              <a:t>pass</a:t>
+            </a:r>
+            <a:r>
+              <a:rPr lang="en-US" dirty="0">
+                <a:solidFill>
+                  <a:schemeClr val="accent5">
+                    <a:lumMod val="20000"/>
+                    <a:lumOff val="80000"/>
+                  </a:schemeClr>
+                </a:solidFill>
+                <a:sym typeface="Wingdings" pitchFamily="2" charset="2"/>
+              </a:rPr>
+              <a:t> </a:t>
+            </a:r>
+            <a:r>
+              <a:rPr lang="en-US" dirty="0">
+                <a:sym typeface="Wingdings" pitchFamily="2" charset="2"/>
+              </a:rPr>
+              <a:t>(course </a:t>
+            </a:r>
+            <a:r>
+              <a:rPr lang="en-US" dirty="0" smtClean="0">
+                <a:sym typeface="Wingdings" pitchFamily="2" charset="2"/>
+              </a:rPr>
+              <a:t>taken)</a:t>
+            </a:r>
+            <a:endParaRPr lang="bg-BG" dirty="0">
+              <a:solidFill>
+                <a:schemeClr val="accent5">
+                  <a:lumMod val="20000"/>
+                  <a:lumOff val="80000"/>
+                </a:schemeClr>
+              </a:solidFill>
+              <a:sym typeface="Wingdings" pitchFamily="2" charset="2"/>
+            </a:endParaRPr>
+          </a:p>
+          <a:p>
+            <a:pPr lvl="2"/>
+            <a:r>
+              <a:rPr lang="en-US" dirty="0"/>
+              <a:t>High results </a:t>
+            </a:r>
+            <a:r>
+              <a:rPr lang="en-US" dirty="0">
+                <a:sym typeface="Wingdings" pitchFamily="2" charset="2"/>
+              </a:rPr>
+              <a:t> </a:t>
+            </a:r>
+            <a:r>
+              <a:rPr lang="en-US" dirty="0">
+                <a:solidFill>
+                  <a:schemeClr val="accent5">
+                    <a:lumMod val="20000"/>
+                    <a:lumOff val="80000"/>
+                  </a:schemeClr>
+                </a:solidFill>
+                <a:sym typeface="Wingdings" pitchFamily="2" charset="2"/>
+              </a:rPr>
+              <a:t>pass with </a:t>
+            </a:r>
+            <a:r>
+              <a:rPr lang="en-US" dirty="0" smtClean="0">
+                <a:solidFill>
+                  <a:schemeClr val="accent5">
+                    <a:lumMod val="20000"/>
+                    <a:lumOff val="80000"/>
+                  </a:schemeClr>
+                </a:solidFill>
+                <a:sym typeface="Wingdings" pitchFamily="2" charset="2"/>
+              </a:rPr>
+              <a:t>excellence</a:t>
+            </a:r>
+            <a:endParaRPr lang="en-US" dirty="0">
+              <a:solidFill>
+                <a:schemeClr val="accent5">
+                  <a:lumMod val="20000"/>
+                  <a:lumOff val="80000"/>
+                </a:schemeClr>
+              </a:solidFill>
+              <a:sym typeface="Wingdings" pitchFamily="2" charset="2"/>
+            </a:endParaRPr>
           </a:p>
         </p:txBody>
       </p:sp>
@@ -9185,1486 +8509,20 @@
               <a:defRPr/>
             </a:pPr>
             <a:fld id="{58452FF4-89E3-4D1B-9927-2DBDC00E58D7}" type="slidenum">
-              <a:rPr lang="en-US" smtClean="0">
-                <a:effectLst>
-                  <a:outerShdw blurRad="38100" dist="38100" dir="2700000" algn="tl">
-                    <a:srgbClr val="000000">
-                      <a:alpha val="43137"/>
-                    </a:srgbClr>
-                  </a:outerShdw>
-                </a:effectLst>
-              </a:rPr>
+              <a:rPr lang="en-US" smtClean="0"/>
               <a:pPr>
                 <a:defRPr/>
               </a:pPr>
               <a:t>7</a:t>
             </a:fld>
-            <a:endParaRPr lang="en-US" dirty="0">
-              <a:effectLst>
-                <a:outerShdw blurRad="38100" dist="38100" dir="2700000" algn="tl">
-                  <a:srgbClr val="000000">
-                    <a:alpha val="43137"/>
-                  </a:srgbClr>
-                </a:outerShdw>
-              </a:effectLst>
-            </a:endParaRPr>
-          </a:p>
-        </p:txBody>
-      </p:sp>
-      <p:sp>
-        <p:nvSpPr>
-          <p:cNvPr id="5" name="Rectangle 5"/>
-          <p:cNvSpPr>
-            <a:spLocks noChangeArrowheads="1"/>
-          </p:cNvSpPr>
-          <p:nvPr/>
-        </p:nvSpPr>
-        <p:spPr bwMode="auto">
-          <a:xfrm>
-            <a:off x="1256645" y="1568032"/>
-            <a:ext cx="3022766" cy="2462212"/>
-          </a:xfrm>
-          <a:prstGeom prst="rect">
-            <a:avLst/>
-          </a:prstGeom>
-          <a:solidFill>
-            <a:schemeClr val="accent5">
-              <a:lumMod val="40000"/>
-              <a:lumOff val="60000"/>
-              <a:alpha val="25000"/>
-            </a:schemeClr>
-          </a:solidFill>
-          <a:ln w="12700">
-            <a:solidFill>
-              <a:schemeClr val="accent5">
-                <a:lumMod val="60000"/>
-                <a:lumOff val="40000"/>
-              </a:schemeClr>
-            </a:solidFill>
-          </a:ln>
-        </p:spPr>
-        <p:txBody>
-          <a:bodyPr wrap="square" anchor="ctr">
-            <a:noAutofit/>
-          </a:bodyPr>
-          <a:lstStyle/>
-          <a:p>
-            <a:pPr eaLnBrk="0" hangingPunct="0">
-              <a:spcBef>
-                <a:spcPts val="0"/>
-              </a:spcBef>
-              <a:buClr>
-                <a:schemeClr val="accent5">
-                  <a:lumMod val="40000"/>
-                  <a:lumOff val="60000"/>
-                </a:schemeClr>
-              </a:buClr>
-              <a:buSzPct val="70000"/>
-            </a:pPr>
-            <a:r>
-              <a:rPr lang="en-US" sz="1600" b="1" noProof="1" smtClean="0">
-                <a:solidFill>
-                  <a:srgbClr val="8CF4F2"/>
-                </a:solidFill>
-                <a:effectLst>
-                  <a:outerShdw blurRad="38100" dist="38100" dir="2700000" algn="tl">
-                    <a:srgbClr val="000000">
-                      <a:alpha val="43137"/>
-                    </a:srgbClr>
-                  </a:outerShdw>
-                </a:effectLst>
-                <a:latin typeface="Consolas" pitchFamily="49" charset="0"/>
-                <a:cs typeface="Consolas" pitchFamily="49" charset="0"/>
-              </a:rPr>
-              <a:t>&lt;</a:t>
-            </a:r>
-            <a:r>
-              <a:rPr lang="en-US" sz="1600" b="1" noProof="1">
-                <a:solidFill>
-                  <a:srgbClr val="8CF4F2"/>
-                </a:solidFill>
-                <a:effectLst>
-                  <a:outerShdw blurRad="38100" dist="38100" dir="2700000" algn="tl">
-                    <a:srgbClr val="000000">
-                      <a:alpha val="43137"/>
-                    </a:srgbClr>
-                  </a:outerShdw>
-                </a:effectLst>
-                <a:latin typeface="Consolas" pitchFamily="49" charset="0"/>
-                <a:cs typeface="Consolas" pitchFamily="49" charset="0"/>
-              </a:rPr>
-              <a:t>body&gt;</a:t>
-            </a:r>
-          </a:p>
-          <a:p>
-            <a:pPr eaLnBrk="0" hangingPunct="0">
-              <a:spcBef>
-                <a:spcPts val="600"/>
-              </a:spcBef>
-              <a:buClr>
-                <a:schemeClr val="accent5">
-                  <a:lumMod val="40000"/>
-                  <a:lumOff val="60000"/>
-                </a:schemeClr>
-              </a:buClr>
-              <a:buSzPct val="70000"/>
-            </a:pPr>
-            <a:r>
-              <a:rPr lang="en-US" sz="1600" b="1" noProof="1" smtClean="0">
-                <a:solidFill>
-                  <a:srgbClr val="8CF4F2"/>
-                </a:solidFill>
-                <a:effectLst>
-                  <a:outerShdw blurRad="38100" dist="38100" dir="2700000" algn="tl">
-                    <a:srgbClr val="000000">
-                      <a:alpha val="43137"/>
-                    </a:srgbClr>
-                  </a:outerShdw>
-                </a:effectLst>
-                <a:latin typeface="Consolas" pitchFamily="49" charset="0"/>
-                <a:cs typeface="Consolas" pitchFamily="49" charset="0"/>
-              </a:rPr>
-              <a:t>  &lt;</a:t>
-            </a:r>
-            <a:r>
-              <a:rPr lang="en-US" sz="1600" b="1" noProof="1">
-                <a:solidFill>
-                  <a:srgbClr val="8CF4F2"/>
-                </a:solidFill>
-                <a:effectLst>
-                  <a:outerShdw blurRad="38100" dist="38100" dir="2700000" algn="tl">
-                    <a:srgbClr val="000000">
-                      <a:alpha val="43137"/>
-                    </a:srgbClr>
-                  </a:outerShdw>
-                </a:effectLst>
-                <a:latin typeface="Consolas" pitchFamily="49" charset="0"/>
-                <a:cs typeface="Consolas" pitchFamily="49" charset="0"/>
-              </a:rPr>
-              <a:t>div id="left-div"&gt;</a:t>
-            </a:r>
-          </a:p>
-          <a:p>
-            <a:pPr eaLnBrk="0" hangingPunct="0">
-              <a:spcBef>
-                <a:spcPts val="0"/>
-              </a:spcBef>
-              <a:buClr>
-                <a:schemeClr val="accent5">
-                  <a:lumMod val="40000"/>
-                  <a:lumOff val="60000"/>
-                </a:schemeClr>
-              </a:buClr>
-              <a:buSzPct val="70000"/>
-            </a:pPr>
-            <a:r>
-              <a:rPr lang="en-US" sz="1600" b="1" noProof="1" smtClean="0">
-                <a:solidFill>
-                  <a:srgbClr val="8CF4F2"/>
-                </a:solidFill>
-                <a:effectLst>
-                  <a:outerShdw blurRad="38100" dist="38100" dir="2700000" algn="tl">
-                    <a:srgbClr val="000000">
-                      <a:alpha val="43137"/>
-                    </a:srgbClr>
-                  </a:outerShdw>
-                </a:effectLst>
-                <a:latin typeface="Consolas" pitchFamily="49" charset="0"/>
-                <a:cs typeface="Consolas" pitchFamily="49" charset="0"/>
-              </a:rPr>
-              <a:t>    in </a:t>
-            </a:r>
-            <a:r>
-              <a:rPr lang="en-US" sz="1600" b="1" noProof="1">
-                <a:solidFill>
-                  <a:srgbClr val="8CF4F2"/>
-                </a:solidFill>
-                <a:effectLst>
-                  <a:outerShdw blurRad="38100" dist="38100" dir="2700000" algn="tl">
-                    <a:srgbClr val="000000">
-                      <a:alpha val="43137"/>
-                    </a:srgbClr>
-                  </a:outerShdw>
-                </a:effectLst>
-                <a:latin typeface="Consolas" pitchFamily="49" charset="0"/>
-                <a:cs typeface="Consolas" pitchFamily="49" charset="0"/>
-              </a:rPr>
-              <a:t>the left</a:t>
-            </a:r>
-          </a:p>
-          <a:p>
-            <a:pPr eaLnBrk="0" hangingPunct="0">
-              <a:spcBef>
-                <a:spcPts val="0"/>
-              </a:spcBef>
-              <a:buClr>
-                <a:schemeClr val="accent5">
-                  <a:lumMod val="40000"/>
-                  <a:lumOff val="60000"/>
-                </a:schemeClr>
-              </a:buClr>
-              <a:buSzPct val="70000"/>
-            </a:pPr>
-            <a:r>
-              <a:rPr lang="en-US" sz="1600" b="1" noProof="1" smtClean="0">
-                <a:solidFill>
-                  <a:srgbClr val="8CF4F2"/>
-                </a:solidFill>
-                <a:effectLst>
-                  <a:outerShdw blurRad="38100" dist="38100" dir="2700000" algn="tl">
-                    <a:srgbClr val="000000">
-                      <a:alpha val="43137"/>
-                    </a:srgbClr>
-                  </a:outerShdw>
-                </a:effectLst>
-                <a:latin typeface="Consolas" pitchFamily="49" charset="0"/>
-                <a:cs typeface="Consolas" pitchFamily="49" charset="0"/>
-              </a:rPr>
-              <a:t>  &lt;/</a:t>
-            </a:r>
-            <a:r>
-              <a:rPr lang="en-US" sz="1600" b="1" noProof="1">
-                <a:solidFill>
-                  <a:srgbClr val="8CF4F2"/>
-                </a:solidFill>
-                <a:effectLst>
-                  <a:outerShdw blurRad="38100" dist="38100" dir="2700000" algn="tl">
-                    <a:srgbClr val="000000">
-                      <a:alpha val="43137"/>
-                    </a:srgbClr>
-                  </a:outerShdw>
-                </a:effectLst>
-                <a:latin typeface="Consolas" pitchFamily="49" charset="0"/>
-                <a:cs typeface="Consolas" pitchFamily="49" charset="0"/>
-              </a:rPr>
-              <a:t>div&gt;</a:t>
-            </a:r>
-          </a:p>
-          <a:p>
-            <a:pPr eaLnBrk="0" hangingPunct="0">
-              <a:spcBef>
-                <a:spcPts val="600"/>
-              </a:spcBef>
-              <a:buClr>
-                <a:schemeClr val="accent5">
-                  <a:lumMod val="40000"/>
-                  <a:lumOff val="60000"/>
-                </a:schemeClr>
-              </a:buClr>
-              <a:buSzPct val="70000"/>
-            </a:pPr>
-            <a:r>
-              <a:rPr lang="en-US" sz="1600" b="1" noProof="1" smtClean="0">
-                <a:solidFill>
-                  <a:srgbClr val="8CF4F2"/>
-                </a:solidFill>
-                <a:effectLst>
-                  <a:outerShdw blurRad="38100" dist="38100" dir="2700000" algn="tl">
-                    <a:srgbClr val="000000">
-                      <a:alpha val="43137"/>
-                    </a:srgbClr>
-                  </a:outerShdw>
-                </a:effectLst>
-                <a:latin typeface="Consolas" pitchFamily="49" charset="0"/>
-                <a:cs typeface="Consolas" pitchFamily="49" charset="0"/>
-              </a:rPr>
-              <a:t>  &lt;</a:t>
-            </a:r>
-            <a:r>
-              <a:rPr lang="en-US" sz="1600" b="1" noProof="1">
-                <a:solidFill>
-                  <a:srgbClr val="8CF4F2"/>
-                </a:solidFill>
-                <a:effectLst>
-                  <a:outerShdw blurRad="38100" dist="38100" dir="2700000" algn="tl">
-                    <a:srgbClr val="000000">
-                      <a:alpha val="43137"/>
-                    </a:srgbClr>
-                  </a:outerShdw>
-                </a:effectLst>
-                <a:latin typeface="Consolas" pitchFamily="49" charset="0"/>
-                <a:cs typeface="Consolas" pitchFamily="49" charset="0"/>
-              </a:rPr>
-              <a:t>div id="right-div"&gt;</a:t>
-            </a:r>
-          </a:p>
-          <a:p>
-            <a:pPr eaLnBrk="0" hangingPunct="0">
-              <a:spcBef>
-                <a:spcPts val="0"/>
-              </a:spcBef>
-              <a:buClr>
-                <a:schemeClr val="accent5">
-                  <a:lumMod val="40000"/>
-                  <a:lumOff val="60000"/>
-                </a:schemeClr>
-              </a:buClr>
-              <a:buSzPct val="70000"/>
-            </a:pPr>
-            <a:r>
-              <a:rPr lang="en-US" sz="1600" b="1" noProof="1">
-                <a:solidFill>
-                  <a:srgbClr val="8CF4F2"/>
-                </a:solidFill>
-                <a:effectLst>
-                  <a:outerShdw blurRad="38100" dist="38100" dir="2700000" algn="tl">
-                    <a:srgbClr val="000000">
-                      <a:alpha val="43137"/>
-                    </a:srgbClr>
-                  </a:outerShdw>
-                </a:effectLst>
-                <a:latin typeface="Consolas" pitchFamily="49" charset="0"/>
-                <a:cs typeface="Consolas" pitchFamily="49" charset="0"/>
-              </a:rPr>
-              <a:t>  </a:t>
-            </a:r>
-            <a:r>
-              <a:rPr lang="en-US" sz="1600" b="1" noProof="1" smtClean="0">
-                <a:solidFill>
-                  <a:srgbClr val="8CF4F2"/>
-                </a:solidFill>
-                <a:effectLst>
-                  <a:outerShdw blurRad="38100" dist="38100" dir="2700000" algn="tl">
-                    <a:srgbClr val="000000">
-                      <a:alpha val="43137"/>
-                    </a:srgbClr>
-                  </a:outerShdw>
-                </a:effectLst>
-                <a:latin typeface="Consolas" pitchFamily="49" charset="0"/>
-                <a:cs typeface="Consolas" pitchFamily="49" charset="0"/>
-              </a:rPr>
-              <a:t>  in </a:t>
-            </a:r>
-            <a:r>
-              <a:rPr lang="en-US" sz="1600" b="1" noProof="1">
-                <a:solidFill>
-                  <a:srgbClr val="8CF4F2"/>
-                </a:solidFill>
-                <a:effectLst>
-                  <a:outerShdw blurRad="38100" dist="38100" dir="2700000" algn="tl">
-                    <a:srgbClr val="000000">
-                      <a:alpha val="43137"/>
-                    </a:srgbClr>
-                  </a:outerShdw>
-                </a:effectLst>
-                <a:latin typeface="Consolas" pitchFamily="49" charset="0"/>
-                <a:cs typeface="Consolas" pitchFamily="49" charset="0"/>
-              </a:rPr>
-              <a:t>the right</a:t>
-            </a:r>
-          </a:p>
-          <a:p>
-            <a:pPr eaLnBrk="0" hangingPunct="0">
-              <a:spcBef>
-                <a:spcPts val="0"/>
-              </a:spcBef>
-              <a:buClr>
-                <a:schemeClr val="accent5">
-                  <a:lumMod val="40000"/>
-                  <a:lumOff val="60000"/>
-                </a:schemeClr>
-              </a:buClr>
-              <a:buSzPct val="70000"/>
-            </a:pPr>
-            <a:r>
-              <a:rPr lang="en-US" sz="1600" b="1" noProof="1" smtClean="0">
-                <a:solidFill>
-                  <a:srgbClr val="8CF4F2"/>
-                </a:solidFill>
-                <a:effectLst>
-                  <a:outerShdw blurRad="38100" dist="38100" dir="2700000" algn="tl">
-                    <a:srgbClr val="000000">
-                      <a:alpha val="43137"/>
-                    </a:srgbClr>
-                  </a:outerShdw>
-                </a:effectLst>
-                <a:latin typeface="Consolas" pitchFamily="49" charset="0"/>
-                <a:cs typeface="Consolas" pitchFamily="49" charset="0"/>
-              </a:rPr>
-              <a:t>  &lt;/</a:t>
-            </a:r>
-            <a:r>
-              <a:rPr lang="en-US" sz="1600" b="1" noProof="1">
-                <a:solidFill>
-                  <a:srgbClr val="8CF4F2"/>
-                </a:solidFill>
-                <a:effectLst>
-                  <a:outerShdw blurRad="38100" dist="38100" dir="2700000" algn="tl">
-                    <a:srgbClr val="000000">
-                      <a:alpha val="43137"/>
-                    </a:srgbClr>
-                  </a:outerShdw>
-                </a:effectLst>
-                <a:latin typeface="Consolas" pitchFamily="49" charset="0"/>
-                <a:cs typeface="Consolas" pitchFamily="49" charset="0"/>
-              </a:rPr>
-              <a:t>div&gt;</a:t>
-            </a:r>
-          </a:p>
-          <a:p>
-            <a:pPr eaLnBrk="0" hangingPunct="0">
-              <a:spcBef>
-                <a:spcPts val="0"/>
-              </a:spcBef>
-              <a:buClr>
-                <a:schemeClr val="accent5">
-                  <a:lumMod val="40000"/>
-                  <a:lumOff val="60000"/>
-                </a:schemeClr>
-              </a:buClr>
-              <a:buSzPct val="70000"/>
-            </a:pPr>
-            <a:r>
-              <a:rPr lang="en-US" sz="1600" b="1" noProof="1" smtClean="0">
-                <a:solidFill>
-                  <a:srgbClr val="8CF4F2"/>
-                </a:solidFill>
-                <a:effectLst>
-                  <a:outerShdw blurRad="38100" dist="38100" dir="2700000" algn="tl">
-                    <a:srgbClr val="000000">
-                      <a:alpha val="43137"/>
-                    </a:srgbClr>
-                  </a:outerShdw>
-                </a:effectLst>
-                <a:latin typeface="Consolas" pitchFamily="49" charset="0"/>
-                <a:cs typeface="Consolas" pitchFamily="49" charset="0"/>
-              </a:rPr>
-              <a:t>&lt;/</a:t>
-            </a:r>
-            <a:r>
-              <a:rPr lang="en-US" sz="1600" b="1" noProof="1">
-                <a:solidFill>
-                  <a:srgbClr val="8CF4F2"/>
-                </a:solidFill>
-                <a:effectLst>
-                  <a:outerShdw blurRad="38100" dist="38100" dir="2700000" algn="tl">
-                    <a:srgbClr val="000000">
-                      <a:alpha val="43137"/>
-                    </a:srgbClr>
-                  </a:outerShdw>
-                </a:effectLst>
-                <a:latin typeface="Consolas" pitchFamily="49" charset="0"/>
-                <a:cs typeface="Consolas" pitchFamily="49" charset="0"/>
-              </a:rPr>
-              <a:t>body&gt;</a:t>
-            </a:r>
-          </a:p>
-        </p:txBody>
-      </p:sp>
-      <p:sp>
-        <p:nvSpPr>
-          <p:cNvPr id="13" name="Rectangle 5"/>
-          <p:cNvSpPr>
-            <a:spLocks noChangeArrowheads="1"/>
-          </p:cNvSpPr>
-          <p:nvPr/>
-        </p:nvSpPr>
-        <p:spPr bwMode="auto">
-          <a:xfrm>
-            <a:off x="4779486" y="1568032"/>
-            <a:ext cx="3022766" cy="2462213"/>
-          </a:xfrm>
-          <a:prstGeom prst="rect">
-            <a:avLst/>
-          </a:prstGeom>
-          <a:solidFill>
-            <a:schemeClr val="accent5">
-              <a:lumMod val="40000"/>
-              <a:lumOff val="60000"/>
-              <a:alpha val="25000"/>
-            </a:schemeClr>
-          </a:solidFill>
-          <a:ln w="12700">
-            <a:solidFill>
-              <a:schemeClr val="accent5">
-                <a:lumMod val="60000"/>
-                <a:lumOff val="40000"/>
-              </a:schemeClr>
-            </a:solidFill>
-          </a:ln>
-        </p:spPr>
-        <p:txBody>
-          <a:bodyPr wrap="square">
-            <a:spAutoFit/>
-          </a:bodyPr>
-          <a:lstStyle/>
-          <a:p>
-            <a:pPr eaLnBrk="0" hangingPunct="0">
-              <a:spcBef>
-                <a:spcPts val="0"/>
-              </a:spcBef>
-              <a:buClr>
-                <a:schemeClr val="accent5">
-                  <a:lumMod val="40000"/>
-                  <a:lumOff val="60000"/>
-                </a:schemeClr>
-              </a:buClr>
-              <a:buSzPct val="70000"/>
-            </a:pPr>
-            <a:r>
-              <a:rPr lang="en-US" sz="1600" b="1" noProof="1" smtClean="0">
-                <a:solidFill>
-                  <a:srgbClr val="8CF4F2"/>
-                </a:solidFill>
-                <a:effectLst>
-                  <a:outerShdw blurRad="38100" dist="38100" dir="2700000" algn="tl">
-                    <a:srgbClr val="000000">
-                      <a:alpha val="43137"/>
-                    </a:srgbClr>
-                  </a:outerShdw>
-                </a:effectLst>
-                <a:latin typeface="Consolas" pitchFamily="49" charset="0"/>
-                <a:cs typeface="Consolas" pitchFamily="49" charset="0"/>
-              </a:rPr>
-              <a:t>#</a:t>
-            </a:r>
-            <a:r>
-              <a:rPr lang="en-US" sz="1600" b="1" noProof="1">
-                <a:solidFill>
-                  <a:srgbClr val="8CF4F2"/>
-                </a:solidFill>
-                <a:effectLst>
-                  <a:outerShdw blurRad="38100" dist="38100" dir="2700000" algn="tl">
-                    <a:srgbClr val="000000">
-                      <a:alpha val="43137"/>
-                    </a:srgbClr>
-                  </a:outerShdw>
-                </a:effectLst>
-                <a:latin typeface="Consolas" pitchFamily="49" charset="0"/>
-                <a:cs typeface="Consolas" pitchFamily="49" charset="0"/>
-              </a:rPr>
-              <a:t>left-div, #right-div {</a:t>
-            </a:r>
-          </a:p>
-          <a:p>
-            <a:pPr eaLnBrk="0" hangingPunct="0">
-              <a:spcBef>
-                <a:spcPts val="0"/>
-              </a:spcBef>
-              <a:buClr>
-                <a:schemeClr val="accent5">
-                  <a:lumMod val="40000"/>
-                  <a:lumOff val="60000"/>
-                </a:schemeClr>
-              </a:buClr>
-              <a:buSzPct val="70000"/>
-            </a:pPr>
-            <a:r>
-              <a:rPr lang="en-US" sz="1600" b="1" noProof="1" smtClean="0">
-                <a:solidFill>
-                  <a:srgbClr val="8CF4F2"/>
-                </a:solidFill>
-                <a:effectLst>
-                  <a:outerShdw blurRad="38100" dist="38100" dir="2700000" algn="tl">
-                    <a:srgbClr val="000000">
-                      <a:alpha val="43137"/>
-                    </a:srgbClr>
-                  </a:outerShdw>
-                </a:effectLst>
-                <a:latin typeface="Consolas" pitchFamily="49" charset="0"/>
-                <a:cs typeface="Consolas" pitchFamily="49" charset="0"/>
-              </a:rPr>
-              <a:t>  text-align</a:t>
-            </a:r>
-            <a:r>
-              <a:rPr lang="en-US" sz="1600" b="1" noProof="1">
-                <a:solidFill>
-                  <a:srgbClr val="8CF4F2"/>
-                </a:solidFill>
-                <a:effectLst>
-                  <a:outerShdw blurRad="38100" dist="38100" dir="2700000" algn="tl">
-                    <a:srgbClr val="000000">
-                      <a:alpha val="43137"/>
-                    </a:srgbClr>
-                  </a:outerShdw>
-                </a:effectLst>
-                <a:latin typeface="Consolas" pitchFamily="49" charset="0"/>
-                <a:cs typeface="Consolas" pitchFamily="49" charset="0"/>
-              </a:rPr>
-              <a:t>: center;</a:t>
-            </a:r>
-          </a:p>
-          <a:p>
-            <a:pPr eaLnBrk="0" hangingPunct="0">
-              <a:spcBef>
-                <a:spcPts val="0"/>
-              </a:spcBef>
-              <a:buClr>
-                <a:schemeClr val="accent5">
-                  <a:lumMod val="40000"/>
-                  <a:lumOff val="60000"/>
-                </a:schemeClr>
-              </a:buClr>
-              <a:buSzPct val="70000"/>
-            </a:pPr>
-            <a:r>
-              <a:rPr lang="en-US" sz="1600" b="1" noProof="1" smtClean="0">
-                <a:solidFill>
-                  <a:srgbClr val="8CF4F2"/>
-                </a:solidFill>
-                <a:effectLst>
-                  <a:outerShdw blurRad="38100" dist="38100" dir="2700000" algn="tl">
-                    <a:srgbClr val="000000">
-                      <a:alpha val="43137"/>
-                    </a:srgbClr>
-                  </a:outerShdw>
-                </a:effectLst>
-                <a:latin typeface="Consolas" pitchFamily="49" charset="0"/>
-                <a:cs typeface="Consolas" pitchFamily="49" charset="0"/>
-              </a:rPr>
-              <a:t>}</a:t>
-            </a:r>
-            <a:endParaRPr lang="en-US" sz="1600" b="1" noProof="1">
-              <a:solidFill>
-                <a:srgbClr val="8CF4F2"/>
-              </a:solidFill>
-              <a:effectLst>
-                <a:outerShdw blurRad="38100" dist="38100" dir="2700000" algn="tl">
-                  <a:srgbClr val="000000">
-                    <a:alpha val="43137"/>
-                  </a:srgbClr>
-                </a:outerShdw>
-              </a:effectLst>
-              <a:latin typeface="Consolas" pitchFamily="49" charset="0"/>
-              <a:cs typeface="Consolas" pitchFamily="49" charset="0"/>
-            </a:endParaRPr>
-          </a:p>
-          <a:p>
-            <a:pPr eaLnBrk="0" hangingPunct="0">
-              <a:spcBef>
-                <a:spcPts val="600"/>
-              </a:spcBef>
-              <a:buClr>
-                <a:schemeClr val="accent5">
-                  <a:lumMod val="40000"/>
-                  <a:lumOff val="60000"/>
-                </a:schemeClr>
-              </a:buClr>
-              <a:buSzPct val="70000"/>
-            </a:pPr>
-            <a:r>
-              <a:rPr lang="en-US" sz="1600" b="1" noProof="1" smtClean="0">
-                <a:solidFill>
-                  <a:srgbClr val="8CF4F2"/>
-                </a:solidFill>
-                <a:effectLst>
-                  <a:outerShdw blurRad="38100" dist="38100" dir="2700000" algn="tl">
-                    <a:srgbClr val="000000">
-                      <a:alpha val="43137"/>
-                    </a:srgbClr>
-                  </a:outerShdw>
-                </a:effectLst>
-                <a:latin typeface="Consolas" pitchFamily="49" charset="0"/>
-                <a:cs typeface="Consolas" pitchFamily="49" charset="0"/>
-              </a:rPr>
-              <a:t>#</a:t>
-            </a:r>
-            <a:r>
-              <a:rPr lang="en-US" sz="1600" b="1" noProof="1">
-                <a:solidFill>
-                  <a:srgbClr val="8CF4F2"/>
-                </a:solidFill>
-                <a:effectLst>
-                  <a:outerShdw blurRad="38100" dist="38100" dir="2700000" algn="tl">
-                    <a:srgbClr val="000000">
-                      <a:alpha val="43137"/>
-                    </a:srgbClr>
-                  </a:outerShdw>
-                </a:effectLst>
-                <a:latin typeface="Consolas" pitchFamily="49" charset="0"/>
-                <a:cs typeface="Consolas" pitchFamily="49" charset="0"/>
-              </a:rPr>
-              <a:t>left-div{</a:t>
-            </a:r>
-          </a:p>
-          <a:p>
-            <a:pPr eaLnBrk="0" hangingPunct="0">
-              <a:spcBef>
-                <a:spcPts val="0"/>
-              </a:spcBef>
-              <a:buClr>
-                <a:schemeClr val="accent5">
-                  <a:lumMod val="40000"/>
-                  <a:lumOff val="60000"/>
-                </a:schemeClr>
-              </a:buClr>
-              <a:buSzPct val="70000"/>
-            </a:pPr>
-            <a:r>
-              <a:rPr lang="en-US" sz="1600" b="1" noProof="1" smtClean="0">
-                <a:solidFill>
-                  <a:srgbClr val="8CF4F2"/>
-                </a:solidFill>
-                <a:effectLst>
-                  <a:outerShdw blurRad="38100" dist="38100" dir="2700000" algn="tl">
-                    <a:srgbClr val="000000">
-                      <a:alpha val="43137"/>
-                    </a:srgbClr>
-                  </a:outerShdw>
-                </a:effectLst>
-                <a:latin typeface="Consolas" pitchFamily="49" charset="0"/>
-                <a:cs typeface="Consolas" pitchFamily="49" charset="0"/>
-              </a:rPr>
-              <a:t>  float:left</a:t>
-            </a:r>
-            <a:r>
-              <a:rPr lang="en-US" sz="1600" b="1" noProof="1">
-                <a:solidFill>
-                  <a:srgbClr val="8CF4F2"/>
-                </a:solidFill>
-                <a:effectLst>
-                  <a:outerShdw blurRad="38100" dist="38100" dir="2700000" algn="tl">
-                    <a:srgbClr val="000000">
-                      <a:alpha val="43137"/>
-                    </a:srgbClr>
-                  </a:outerShdw>
-                </a:effectLst>
-                <a:latin typeface="Consolas" pitchFamily="49" charset="0"/>
-                <a:cs typeface="Consolas" pitchFamily="49" charset="0"/>
-              </a:rPr>
-              <a:t>;</a:t>
-            </a:r>
-          </a:p>
-          <a:p>
-            <a:pPr eaLnBrk="0" hangingPunct="0">
-              <a:spcBef>
-                <a:spcPts val="0"/>
-              </a:spcBef>
-              <a:buClr>
-                <a:schemeClr val="accent5">
-                  <a:lumMod val="40000"/>
-                  <a:lumOff val="60000"/>
-                </a:schemeClr>
-              </a:buClr>
-              <a:buSzPct val="70000"/>
-            </a:pPr>
-            <a:r>
-              <a:rPr lang="en-US" sz="1600" b="1" noProof="1" smtClean="0">
-                <a:solidFill>
-                  <a:srgbClr val="8CF4F2"/>
-                </a:solidFill>
-                <a:effectLst>
-                  <a:outerShdw blurRad="38100" dist="38100" dir="2700000" algn="tl">
-                    <a:srgbClr val="000000">
-                      <a:alpha val="43137"/>
-                    </a:srgbClr>
-                  </a:outerShdw>
-                </a:effectLst>
-                <a:latin typeface="Consolas" pitchFamily="49" charset="0"/>
-                <a:cs typeface="Consolas" pitchFamily="49" charset="0"/>
-              </a:rPr>
-              <a:t>}</a:t>
-            </a:r>
-            <a:endParaRPr lang="en-US" sz="1600" b="1" noProof="1">
-              <a:solidFill>
-                <a:srgbClr val="8CF4F2"/>
-              </a:solidFill>
-              <a:effectLst>
-                <a:outerShdw blurRad="38100" dist="38100" dir="2700000" algn="tl">
-                  <a:srgbClr val="000000">
-                    <a:alpha val="43137"/>
-                  </a:srgbClr>
-                </a:outerShdw>
-              </a:effectLst>
-              <a:latin typeface="Consolas" pitchFamily="49" charset="0"/>
-              <a:cs typeface="Consolas" pitchFamily="49" charset="0"/>
-            </a:endParaRPr>
-          </a:p>
-          <a:p>
-            <a:pPr eaLnBrk="0" hangingPunct="0">
-              <a:spcBef>
-                <a:spcPts val="600"/>
-              </a:spcBef>
-              <a:buClr>
-                <a:schemeClr val="accent5">
-                  <a:lumMod val="40000"/>
-                  <a:lumOff val="60000"/>
-                </a:schemeClr>
-              </a:buClr>
-              <a:buSzPct val="70000"/>
-            </a:pPr>
-            <a:r>
-              <a:rPr lang="en-US" sz="1600" b="1" noProof="1" smtClean="0">
-                <a:solidFill>
-                  <a:srgbClr val="8CF4F2"/>
-                </a:solidFill>
-                <a:effectLst>
-                  <a:outerShdw blurRad="38100" dist="38100" dir="2700000" algn="tl">
-                    <a:srgbClr val="000000">
-                      <a:alpha val="43137"/>
-                    </a:srgbClr>
-                  </a:outerShdw>
-                </a:effectLst>
-                <a:latin typeface="Consolas" pitchFamily="49" charset="0"/>
-                <a:cs typeface="Consolas" pitchFamily="49" charset="0"/>
-              </a:rPr>
-              <a:t>#</a:t>
-            </a:r>
-            <a:r>
-              <a:rPr lang="en-US" sz="1600" b="1" noProof="1">
-                <a:solidFill>
-                  <a:srgbClr val="8CF4F2"/>
-                </a:solidFill>
-                <a:effectLst>
-                  <a:outerShdw blurRad="38100" dist="38100" dir="2700000" algn="tl">
-                    <a:srgbClr val="000000">
-                      <a:alpha val="43137"/>
-                    </a:srgbClr>
-                  </a:outerShdw>
-                </a:effectLst>
-                <a:latin typeface="Consolas" pitchFamily="49" charset="0"/>
-                <a:cs typeface="Consolas" pitchFamily="49" charset="0"/>
-              </a:rPr>
-              <a:t>right-div{</a:t>
-            </a:r>
-          </a:p>
-          <a:p>
-            <a:pPr eaLnBrk="0" hangingPunct="0">
-              <a:spcBef>
-                <a:spcPts val="0"/>
-              </a:spcBef>
-              <a:buClr>
-                <a:schemeClr val="accent5">
-                  <a:lumMod val="40000"/>
-                  <a:lumOff val="60000"/>
-                </a:schemeClr>
-              </a:buClr>
-              <a:buSzPct val="70000"/>
-            </a:pPr>
-            <a:r>
-              <a:rPr lang="en-US" sz="1600" b="1" noProof="1" smtClean="0">
-                <a:solidFill>
-                  <a:srgbClr val="8CF4F2"/>
-                </a:solidFill>
-                <a:effectLst>
-                  <a:outerShdw blurRad="38100" dist="38100" dir="2700000" algn="tl">
-                    <a:srgbClr val="000000">
-                      <a:alpha val="43137"/>
-                    </a:srgbClr>
-                  </a:outerShdw>
-                </a:effectLst>
-                <a:latin typeface="Consolas" pitchFamily="49" charset="0"/>
-                <a:cs typeface="Consolas" pitchFamily="49" charset="0"/>
-              </a:rPr>
-              <a:t>  float:right</a:t>
-            </a:r>
-            <a:r>
-              <a:rPr lang="en-US" sz="1600" b="1" noProof="1">
-                <a:solidFill>
-                  <a:srgbClr val="8CF4F2"/>
-                </a:solidFill>
-                <a:effectLst>
-                  <a:outerShdw blurRad="38100" dist="38100" dir="2700000" algn="tl">
-                    <a:srgbClr val="000000">
-                      <a:alpha val="43137"/>
-                    </a:srgbClr>
-                  </a:outerShdw>
-                </a:effectLst>
-                <a:latin typeface="Consolas" pitchFamily="49" charset="0"/>
-                <a:cs typeface="Consolas" pitchFamily="49" charset="0"/>
-              </a:rPr>
-              <a:t>;</a:t>
-            </a:r>
-          </a:p>
-          <a:p>
-            <a:pPr eaLnBrk="0" hangingPunct="0">
-              <a:spcBef>
-                <a:spcPts val="0"/>
-              </a:spcBef>
-              <a:buClr>
-                <a:schemeClr val="accent5">
-                  <a:lumMod val="40000"/>
-                  <a:lumOff val="60000"/>
-                </a:schemeClr>
-              </a:buClr>
-              <a:buSzPct val="70000"/>
-            </a:pPr>
-            <a:r>
-              <a:rPr lang="en-US" sz="1600" b="1" noProof="1" smtClean="0">
-                <a:solidFill>
-                  <a:srgbClr val="8CF4F2"/>
-                </a:solidFill>
-                <a:effectLst>
-                  <a:outerShdw blurRad="38100" dist="38100" dir="2700000" algn="tl">
-                    <a:srgbClr val="000000">
-                      <a:alpha val="43137"/>
-                    </a:srgbClr>
-                  </a:outerShdw>
-                </a:effectLst>
-                <a:latin typeface="Consolas" pitchFamily="49" charset="0"/>
-                <a:cs typeface="Consolas" pitchFamily="49" charset="0"/>
-              </a:rPr>
-              <a:t>}</a:t>
-            </a:r>
-            <a:endParaRPr lang="en-US" sz="1600" b="1" noProof="1">
-              <a:solidFill>
-                <a:srgbClr val="8CF4F2"/>
-              </a:solidFill>
-              <a:effectLst>
-                <a:outerShdw blurRad="38100" dist="38100" dir="2700000" algn="tl">
-                  <a:srgbClr val="000000">
-                    <a:alpha val="43137"/>
-                  </a:srgbClr>
-                </a:outerShdw>
-              </a:effectLst>
-              <a:latin typeface="Consolas" pitchFamily="49" charset="0"/>
-              <a:cs typeface="Consolas" pitchFamily="49" charset="0"/>
-            </a:endParaRPr>
-          </a:p>
-        </p:txBody>
-      </p:sp>
-      <p:pic>
-        <p:nvPicPr>
-          <p:cNvPr id="2052" name="Picture 4"/>
-          <p:cNvPicPr>
-            <a:picLocks noChangeAspect="1" noChangeArrowheads="1"/>
-          </p:cNvPicPr>
-          <p:nvPr/>
-        </p:nvPicPr>
-        <p:blipFill>
-          <a:blip r:embed="rId2" cstate="print">
-            <a:extLst>
-              <a:ext uri="{28A0092B-C50C-407E-A947-70E740481C1C}">
-                <a14:useLocalDpi xmlns:a14="http://schemas.microsoft.com/office/drawing/2010/main" val="0"/>
-              </a:ext>
-            </a:extLst>
-          </a:blip>
-          <a:srcRect/>
-          <a:stretch>
-            <a:fillRect/>
-          </a:stretch>
-        </p:blipFill>
-        <p:spPr bwMode="auto">
-          <a:xfrm>
-            <a:off x="2677801" y="5181600"/>
-            <a:ext cx="1601610" cy="1289530"/>
-          </a:xfrm>
-          <a:prstGeom prst="rect">
-            <a:avLst/>
-          </a:prstGeom>
-          <a:noFill/>
-          <a:ln>
-            <a:noFill/>
-          </a:ln>
-          <a:effectLst/>
-          <a:extLst>
-            <a:ext uri="{909E8E84-426E-40DD-AFC4-6F175D3DCCD1}">
-              <a14:hiddenFill xmlns:a14="http://schemas.microsoft.com/office/drawing/2010/main">
-                <a:solidFill>
-                  <a:schemeClr val="accent1"/>
-                </a:solidFill>
-              </a14:hiddenFill>
-            </a:ext>
-            <a:ext uri="{91240B29-F687-4F45-9708-019B960494DF}">
-              <a14:hiddenLine xmlns:a14="http://schemas.microsoft.com/office/drawing/2010/main" w="9525">
-                <a:solidFill>
-                  <a:schemeClr val="tx1"/>
-                </a:solidFill>
-                <a:miter lim="800000"/>
-                <a:headEnd/>
-                <a:tailEnd/>
-              </a14:hiddenLine>
-            </a:ext>
-            <a:ext uri="{AF507438-7753-43E0-B8FC-AC1667EBCBE1}">
-              <a14:hiddenEffects xmlns:a14="http://schemas.microsoft.com/office/drawing/2010/main">
-                <a:effectLst>
-                  <a:outerShdw dist="35921" dir="2700000" algn="ctr" rotWithShape="0">
-                    <a:schemeClr val="bg2"/>
-                  </a:outerShdw>
-                </a:effectLst>
-              </a14:hiddenEffects>
-            </a:ext>
-          </a:extLst>
-        </p:spPr>
-      </p:pic>
-      <p:pic>
-        <p:nvPicPr>
-          <p:cNvPr id="2053" name="Picture 5"/>
-          <p:cNvPicPr>
-            <a:picLocks noChangeAspect="1" noChangeArrowheads="1"/>
-          </p:cNvPicPr>
-          <p:nvPr/>
-        </p:nvPicPr>
-        <p:blipFill>
-          <a:blip r:embed="rId3">
-            <a:extLst>
-              <a:ext uri="{28A0092B-C50C-407E-A947-70E740481C1C}">
-                <a14:useLocalDpi xmlns:a14="http://schemas.microsoft.com/office/drawing/2010/main" val="0"/>
-              </a:ext>
-            </a:extLst>
-          </a:blip>
-          <a:srcRect/>
-          <a:stretch>
-            <a:fillRect/>
-          </a:stretch>
-        </p:blipFill>
-        <p:spPr bwMode="auto">
-          <a:xfrm>
-            <a:off x="445403" y="5181600"/>
-            <a:ext cx="1622484" cy="1289530"/>
-          </a:xfrm>
-          <a:prstGeom prst="rect">
-            <a:avLst/>
-          </a:prstGeom>
-          <a:noFill/>
-          <a:ln>
-            <a:noFill/>
-          </a:ln>
-          <a:effectLst/>
-          <a:extLst>
-            <a:ext uri="{909E8E84-426E-40DD-AFC4-6F175D3DCCD1}">
-              <a14:hiddenFill xmlns:a14="http://schemas.microsoft.com/office/drawing/2010/main">
-                <a:solidFill>
-                  <a:schemeClr val="accent1"/>
-                </a:solidFill>
-              </a14:hiddenFill>
-            </a:ext>
-            <a:ext uri="{91240B29-F687-4F45-9708-019B960494DF}">
-              <a14:hiddenLine xmlns:a14="http://schemas.microsoft.com/office/drawing/2010/main" w="9525">
-                <a:solidFill>
-                  <a:schemeClr val="tx1"/>
-                </a:solidFill>
-                <a:miter lim="800000"/>
-                <a:headEnd/>
-                <a:tailEnd/>
-              </a14:hiddenLine>
-            </a:ext>
-            <a:ext uri="{AF507438-7753-43E0-B8FC-AC1667EBCBE1}">
-              <a14:hiddenEffects xmlns:a14="http://schemas.microsoft.com/office/drawing/2010/main">
-                <a:effectLst>
-                  <a:outerShdw dist="35921" dir="2700000" algn="ctr" rotWithShape="0">
-                    <a:schemeClr val="bg2"/>
-                  </a:outerShdw>
-                </a:effectLst>
-              </a14:hiddenEffects>
-            </a:ext>
-          </a:extLst>
-        </p:spPr>
-      </p:pic>
-      <p:pic>
-        <p:nvPicPr>
-          <p:cNvPr id="2054" name="Picture 6"/>
-          <p:cNvPicPr>
-            <a:picLocks noChangeAspect="1" noChangeArrowheads="1"/>
-          </p:cNvPicPr>
-          <p:nvPr/>
-        </p:nvPicPr>
-        <p:blipFill>
-          <a:blip r:embed="rId4">
-            <a:extLst>
-              <a:ext uri="{28A0092B-C50C-407E-A947-70E740481C1C}">
-                <a14:useLocalDpi xmlns:a14="http://schemas.microsoft.com/office/drawing/2010/main" val="0"/>
-              </a:ext>
-            </a:extLst>
-          </a:blip>
-          <a:srcRect/>
-          <a:stretch>
-            <a:fillRect/>
-          </a:stretch>
-        </p:blipFill>
-        <p:spPr bwMode="auto">
-          <a:xfrm>
-            <a:off x="4944141" y="5181600"/>
-            <a:ext cx="1608956" cy="1289530"/>
-          </a:xfrm>
-          <a:prstGeom prst="rect">
-            <a:avLst/>
-          </a:prstGeom>
-          <a:noFill/>
-          <a:ln>
-            <a:noFill/>
-          </a:ln>
-          <a:effectLst/>
-          <a:extLst>
-            <a:ext uri="{909E8E84-426E-40DD-AFC4-6F175D3DCCD1}">
-              <a14:hiddenFill xmlns:a14="http://schemas.microsoft.com/office/drawing/2010/main">
-                <a:solidFill>
-                  <a:schemeClr val="accent1"/>
-                </a:solidFill>
-              </a14:hiddenFill>
-            </a:ext>
-            <a:ext uri="{91240B29-F687-4F45-9708-019B960494DF}">
-              <a14:hiddenLine xmlns:a14="http://schemas.microsoft.com/office/drawing/2010/main" w="9525">
-                <a:solidFill>
-                  <a:schemeClr val="tx1"/>
-                </a:solidFill>
-                <a:miter lim="800000"/>
-                <a:headEnd/>
-                <a:tailEnd/>
-              </a14:hiddenLine>
-            </a:ext>
-            <a:ext uri="{AF507438-7753-43E0-B8FC-AC1667EBCBE1}">
-              <a14:hiddenEffects xmlns:a14="http://schemas.microsoft.com/office/drawing/2010/main">
-                <a:effectLst>
-                  <a:outerShdw dist="35921" dir="2700000" algn="ctr" rotWithShape="0">
-                    <a:schemeClr val="bg2"/>
-                  </a:outerShdw>
-                </a:effectLst>
-              </a14:hiddenEffects>
-            </a:ext>
-          </a:extLst>
-        </p:spPr>
-      </p:pic>
-      <p:pic>
-        <p:nvPicPr>
-          <p:cNvPr id="2055" name="Picture 7"/>
-          <p:cNvPicPr>
-            <a:picLocks noChangeAspect="1" noChangeArrowheads="1"/>
-          </p:cNvPicPr>
-          <p:nvPr/>
-        </p:nvPicPr>
-        <p:blipFill>
-          <a:blip r:embed="rId5">
-            <a:extLst>
-              <a:ext uri="{28A0092B-C50C-407E-A947-70E740481C1C}">
-                <a14:useLocalDpi xmlns:a14="http://schemas.microsoft.com/office/drawing/2010/main" val="0"/>
-              </a:ext>
-            </a:extLst>
-          </a:blip>
-          <a:srcRect/>
-          <a:stretch>
-            <a:fillRect/>
-          </a:stretch>
-        </p:blipFill>
-        <p:spPr bwMode="auto">
-          <a:xfrm>
-            <a:off x="7153949" y="5181524"/>
-            <a:ext cx="1609052" cy="1289606"/>
-          </a:xfrm>
-          <a:prstGeom prst="rect">
-            <a:avLst/>
-          </a:prstGeom>
-          <a:noFill/>
-          <a:ln>
-            <a:noFill/>
-          </a:ln>
-          <a:effectLst/>
-          <a:extLst>
-            <a:ext uri="{909E8E84-426E-40DD-AFC4-6F175D3DCCD1}">
-              <a14:hiddenFill xmlns:a14="http://schemas.microsoft.com/office/drawing/2010/main">
-                <a:solidFill>
-                  <a:schemeClr val="accent1"/>
-                </a:solidFill>
-              </a14:hiddenFill>
-            </a:ext>
-            <a:ext uri="{91240B29-F687-4F45-9708-019B960494DF}">
-              <a14:hiddenLine xmlns:a14="http://schemas.microsoft.com/office/drawing/2010/main" w="9525">
-                <a:solidFill>
-                  <a:schemeClr val="tx1"/>
-                </a:solidFill>
-                <a:miter lim="800000"/>
-                <a:headEnd/>
-                <a:tailEnd/>
-              </a14:hiddenLine>
-            </a:ext>
-            <a:ext uri="{AF507438-7753-43E0-B8FC-AC1667EBCBE1}">
-              <a14:hiddenEffects xmlns:a14="http://schemas.microsoft.com/office/drawing/2010/main">
-                <a:effectLst>
-                  <a:outerShdw dist="35921" dir="2700000" algn="ctr" rotWithShape="0">
-                    <a:schemeClr val="bg2"/>
-                  </a:outerShdw>
-                </a:effectLst>
-              </a14:hiddenEffects>
-            </a:ext>
-          </a:extLst>
-        </p:spPr>
-      </p:pic>
-      <p:sp>
-        <p:nvSpPr>
-          <p:cNvPr id="14" name="Rectangle 13"/>
-          <p:cNvSpPr/>
-          <p:nvPr/>
-        </p:nvSpPr>
-        <p:spPr>
-          <a:xfrm>
-            <a:off x="457200" y="4648200"/>
-            <a:ext cx="838200" cy="381000"/>
-          </a:xfrm>
-          <a:prstGeom prst="rect">
-            <a:avLst/>
-          </a:prstGeom>
-          <a:noFill/>
-          <a:ln>
-            <a:noFill/>
-          </a:ln>
-        </p:spPr>
-        <p:style>
-          <a:lnRef idx="2">
-            <a:schemeClr val="accent1">
-              <a:shade val="50000"/>
-            </a:schemeClr>
-          </a:lnRef>
-          <a:fillRef idx="1">
-            <a:schemeClr val="accent1"/>
-          </a:fillRef>
-          <a:effectRef idx="0">
-            <a:schemeClr val="accent1"/>
-          </a:effectRef>
-          <a:fontRef idx="minor">
-            <a:schemeClr val="lt1"/>
-          </a:fontRef>
-        </p:style>
-        <p:txBody>
-          <a:bodyPr rtlCol="0" anchor="ctr"/>
-          <a:lstStyle/>
-          <a:p>
-            <a:pPr marL="414338" indent="-514350" eaLnBrk="0" hangingPunct="0">
-              <a:spcBef>
-                <a:spcPts val="600"/>
-              </a:spcBef>
-              <a:spcAft>
-                <a:spcPts val="600"/>
-              </a:spcAft>
-              <a:buClr>
-                <a:srgbClr val="8FD600"/>
-              </a:buClr>
-              <a:buFont typeface="+mj-lt"/>
-              <a:buAutoNum type="alphaLcParenR"/>
-            </a:pPr>
-            <a:r>
-              <a:rPr lang="en-US" sz="3000" b="1" dirty="0">
-                <a:solidFill>
-                  <a:schemeClr val="tx1">
-                    <a:lumMod val="40000"/>
-                    <a:lumOff val="60000"/>
-                  </a:schemeClr>
-                </a:solidFill>
-                <a:effectLst>
-                  <a:outerShdw blurRad="38100" dist="38100" dir="2700000" algn="tl">
-                    <a:srgbClr val="000000">
-                      <a:alpha val="43137"/>
-                    </a:srgbClr>
-                  </a:outerShdw>
-                </a:effectLst>
-              </a:rPr>
-              <a:t> </a:t>
-            </a:r>
-          </a:p>
-        </p:txBody>
-      </p:sp>
-      <p:sp>
-        <p:nvSpPr>
-          <p:cNvPr id="21" name="Rectangle 20"/>
-          <p:cNvSpPr/>
-          <p:nvPr/>
-        </p:nvSpPr>
-        <p:spPr>
-          <a:xfrm>
-            <a:off x="2755361" y="4648200"/>
-            <a:ext cx="838200" cy="381000"/>
-          </a:xfrm>
-          <a:prstGeom prst="rect">
-            <a:avLst/>
-          </a:prstGeom>
-          <a:noFill/>
-          <a:ln>
-            <a:noFill/>
-          </a:ln>
-        </p:spPr>
-        <p:style>
-          <a:lnRef idx="2">
-            <a:schemeClr val="accent1">
-              <a:shade val="50000"/>
-            </a:schemeClr>
-          </a:lnRef>
-          <a:fillRef idx="1">
-            <a:schemeClr val="accent1"/>
-          </a:fillRef>
-          <a:effectRef idx="0">
-            <a:schemeClr val="accent1"/>
-          </a:effectRef>
-          <a:fontRef idx="minor">
-            <a:schemeClr val="lt1"/>
-          </a:fontRef>
-        </p:style>
-        <p:txBody>
-          <a:bodyPr rtlCol="0" anchor="ctr"/>
-          <a:lstStyle/>
-          <a:p>
-            <a:pPr marL="414338" indent="-514350" eaLnBrk="0" hangingPunct="0">
-              <a:spcBef>
-                <a:spcPts val="600"/>
-              </a:spcBef>
-              <a:spcAft>
-                <a:spcPts val="600"/>
-              </a:spcAft>
-              <a:buClr>
-                <a:srgbClr val="8FD600"/>
-              </a:buClr>
-              <a:buFont typeface="+mj-lt"/>
-              <a:buAutoNum type="alphaLcParenR" startAt="2"/>
-            </a:pPr>
-            <a:r>
-              <a:rPr lang="en-US" sz="3000" b="1" dirty="0">
-                <a:solidFill>
-                  <a:schemeClr val="tx1">
-                    <a:lumMod val="40000"/>
-                    <a:lumOff val="60000"/>
-                  </a:schemeClr>
-                </a:solidFill>
-                <a:effectLst>
-                  <a:outerShdw blurRad="38100" dist="38100" dir="2700000" algn="tl">
-                    <a:srgbClr val="000000">
-                      <a:alpha val="43137"/>
-                    </a:srgbClr>
-                  </a:outerShdw>
-                </a:effectLst>
-              </a:rPr>
-              <a:t> </a:t>
-            </a:r>
-          </a:p>
-        </p:txBody>
-      </p:sp>
-      <p:sp>
-        <p:nvSpPr>
-          <p:cNvPr id="22" name="Rectangle 21"/>
-          <p:cNvSpPr/>
-          <p:nvPr/>
-        </p:nvSpPr>
-        <p:spPr>
-          <a:xfrm>
-            <a:off x="4876800" y="4648200"/>
-            <a:ext cx="838200" cy="381000"/>
-          </a:xfrm>
-          <a:prstGeom prst="rect">
-            <a:avLst/>
-          </a:prstGeom>
-          <a:noFill/>
-          <a:ln>
-            <a:noFill/>
-          </a:ln>
-        </p:spPr>
-        <p:style>
-          <a:lnRef idx="2">
-            <a:schemeClr val="accent1">
-              <a:shade val="50000"/>
-            </a:schemeClr>
-          </a:lnRef>
-          <a:fillRef idx="1">
-            <a:schemeClr val="accent1"/>
-          </a:fillRef>
-          <a:effectRef idx="0">
-            <a:schemeClr val="accent1"/>
-          </a:effectRef>
-          <a:fontRef idx="minor">
-            <a:schemeClr val="lt1"/>
-          </a:fontRef>
-        </p:style>
-        <p:txBody>
-          <a:bodyPr rtlCol="0" anchor="ctr"/>
-          <a:lstStyle/>
-          <a:p>
-            <a:pPr marL="414338" indent="-514350" eaLnBrk="0" hangingPunct="0">
-              <a:spcBef>
-                <a:spcPts val="600"/>
-              </a:spcBef>
-              <a:spcAft>
-                <a:spcPts val="600"/>
-              </a:spcAft>
-              <a:buClr>
-                <a:srgbClr val="8FD600"/>
-              </a:buClr>
-              <a:buFont typeface="+mj-lt"/>
-              <a:buAutoNum type="alphaLcParenR" startAt="3"/>
-            </a:pPr>
-            <a:r>
-              <a:rPr lang="en-US" sz="3000" b="1" dirty="0">
-                <a:solidFill>
-                  <a:schemeClr val="tx1">
-                    <a:lumMod val="40000"/>
-                    <a:lumOff val="60000"/>
-                  </a:schemeClr>
-                </a:solidFill>
-                <a:effectLst>
-                  <a:outerShdw blurRad="38100" dist="38100" dir="2700000" algn="tl">
-                    <a:srgbClr val="000000">
-                      <a:alpha val="43137"/>
-                    </a:srgbClr>
-                  </a:outerShdw>
-                </a:effectLst>
-              </a:rPr>
-              <a:t> </a:t>
-            </a:r>
-          </a:p>
-        </p:txBody>
-      </p:sp>
-      <p:sp>
-        <p:nvSpPr>
-          <p:cNvPr id="23" name="Rectangle 22"/>
-          <p:cNvSpPr/>
-          <p:nvPr/>
-        </p:nvSpPr>
-        <p:spPr>
-          <a:xfrm>
-            <a:off x="7174961" y="4648200"/>
-            <a:ext cx="838200" cy="381000"/>
-          </a:xfrm>
-          <a:prstGeom prst="rect">
-            <a:avLst/>
-          </a:prstGeom>
-          <a:noFill/>
-          <a:ln>
-            <a:noFill/>
-          </a:ln>
-        </p:spPr>
-        <p:style>
-          <a:lnRef idx="2">
-            <a:schemeClr val="accent1">
-              <a:shade val="50000"/>
-            </a:schemeClr>
-          </a:lnRef>
-          <a:fillRef idx="1">
-            <a:schemeClr val="accent1"/>
-          </a:fillRef>
-          <a:effectRef idx="0">
-            <a:schemeClr val="accent1"/>
-          </a:effectRef>
-          <a:fontRef idx="minor">
-            <a:schemeClr val="lt1"/>
-          </a:fontRef>
-        </p:style>
-        <p:txBody>
-          <a:bodyPr rtlCol="0" anchor="ctr"/>
-          <a:lstStyle/>
-          <a:p>
-            <a:pPr marL="414338" indent="-514350" eaLnBrk="0" hangingPunct="0">
-              <a:spcBef>
-                <a:spcPts val="600"/>
-              </a:spcBef>
-              <a:spcAft>
-                <a:spcPts val="600"/>
-              </a:spcAft>
-              <a:buClr>
-                <a:srgbClr val="8FD600"/>
-              </a:buClr>
-              <a:buFont typeface="+mj-lt"/>
-              <a:buAutoNum type="alphaLcParenR" startAt="4"/>
-            </a:pPr>
-            <a:r>
-              <a:rPr lang="en-US" sz="3000" b="1" dirty="0">
-                <a:solidFill>
-                  <a:schemeClr val="tx1">
-                    <a:lumMod val="40000"/>
-                    <a:lumOff val="60000"/>
-                  </a:schemeClr>
-                </a:solidFill>
-                <a:effectLst>
-                  <a:outerShdw blurRad="38100" dist="38100" dir="2700000" algn="tl">
-                    <a:srgbClr val="000000">
-                      <a:alpha val="43137"/>
-                    </a:srgbClr>
-                  </a:outerShdw>
-                </a:effectLst>
-              </a:rPr>
-              <a:t> </a:t>
-            </a:r>
+            <a:endParaRPr lang="en-US" dirty="0"/>
           </a:p>
         </p:txBody>
       </p:sp>
     </p:spTree>
     <p:extLst>
       <p:ext uri="{BB962C8B-B14F-4D97-AF65-F5344CB8AC3E}">
-        <p14:creationId xmlns:p14="http://schemas.microsoft.com/office/powerpoint/2010/main" val="2768338064"/>
+        <p14:creationId xmlns:p14="http://schemas.microsoft.com/office/powerpoint/2010/main" val="2447945256"/>
       </p:ext>
     </p:extLst>
   </p:cSld>
@@ -10705,229 +8563,390 @@
             <a:spLocks noGrp="1"/>
           </p:cNvSpPr>
           <p:nvPr>
-            <p:ph type="title"/>
-          </p:nvPr>
-        </p:nvSpPr>
-        <p:spPr/>
-        <p:txBody>
-          <a:bodyPr/>
-          <a:lstStyle/>
-          <a:p>
-            <a:r>
-              <a:rPr lang="en-US" dirty="0" smtClean="0"/>
-              <a:t>Pass / Fail / Excellence Criteria</a:t>
-            </a:r>
-            <a:endParaRPr lang="en-US" dirty="0"/>
-          </a:p>
-        </p:txBody>
-      </p:sp>
-      <p:sp>
-        <p:nvSpPr>
-          <p:cNvPr id="3" name="Content Placeholder 2"/>
-          <p:cNvSpPr>
-            <a:spLocks noGrp="1"/>
-          </p:cNvSpPr>
-          <p:nvPr>
-            <p:ph idx="1"/>
+            <p:ph type="ctrTitle"/>
           </p:nvPr>
         </p:nvSpPr>
         <p:spPr>
           <a:xfrm>
-            <a:off x="228600" y="1676400"/>
-            <a:ext cx="8686800" cy="5029200"/>
+            <a:off x="1447800" y="2006601"/>
+            <a:ext cx="7086600" cy="685800"/>
           </a:xfrm>
         </p:spPr>
         <p:txBody>
           <a:bodyPr/>
           <a:lstStyle/>
           <a:p>
+            <a:pPr algn="r"/>
             <a:r>
               <a:rPr lang="en-US" dirty="0" smtClean="0"/>
-              <a:t>CSS Test – pass / fail / excellence criteria:</a:t>
-            </a:r>
-          </a:p>
-          <a:p>
-            <a:pPr lvl="1"/>
-            <a:r>
-              <a:rPr lang="en-US" dirty="0" smtClean="0"/>
-              <a:t>Test</a:t>
-            </a:r>
-          </a:p>
-          <a:p>
-            <a:pPr lvl="2"/>
-            <a:r>
-              <a:rPr lang="en-US" dirty="0" smtClean="0"/>
-              <a:t>Very low results </a:t>
-            </a:r>
-            <a:r>
-              <a:rPr lang="en-US" dirty="0" smtClean="0">
-                <a:sym typeface="Wingdings" pitchFamily="2" charset="2"/>
-              </a:rPr>
-              <a:t> </a:t>
-            </a:r>
-            <a:r>
-              <a:rPr lang="en-US" dirty="0" smtClean="0">
-                <a:solidFill>
-                  <a:schemeClr val="accent5">
-                    <a:lumMod val="20000"/>
-                    <a:lumOff val="80000"/>
-                  </a:schemeClr>
-                </a:solidFill>
-                <a:sym typeface="Wingdings" pitchFamily="2" charset="2"/>
-              </a:rPr>
-              <a:t>fail </a:t>
-            </a:r>
-            <a:r>
-              <a:rPr lang="en-US" dirty="0" smtClean="0">
-                <a:sym typeface="Wingdings" pitchFamily="2" charset="2"/>
-              </a:rPr>
-              <a:t>(course not taken)</a:t>
-            </a:r>
-            <a:endParaRPr lang="bg-BG" dirty="0" smtClean="0"/>
-          </a:p>
-          <a:p>
-            <a:pPr lvl="2"/>
-            <a:r>
-              <a:rPr lang="en-US" dirty="0" smtClean="0"/>
-              <a:t>Average </a:t>
-            </a:r>
-            <a:r>
-              <a:rPr lang="en-US" dirty="0"/>
-              <a:t>results </a:t>
-            </a:r>
-            <a:r>
-              <a:rPr lang="en-US" dirty="0">
-                <a:sym typeface="Wingdings" pitchFamily="2" charset="2"/>
-              </a:rPr>
-              <a:t> </a:t>
-            </a:r>
-            <a:r>
-              <a:rPr lang="en-US" dirty="0" smtClean="0">
-                <a:solidFill>
-                  <a:schemeClr val="accent5">
-                    <a:lumMod val="20000"/>
-                    <a:lumOff val="80000"/>
-                  </a:schemeClr>
-                </a:solidFill>
-                <a:sym typeface="Wingdings" pitchFamily="2" charset="2"/>
-              </a:rPr>
-              <a:t>pass</a:t>
-            </a:r>
-            <a:r>
-              <a:rPr lang="en-US" dirty="0">
-                <a:solidFill>
-                  <a:schemeClr val="accent5">
-                    <a:lumMod val="20000"/>
-                    <a:lumOff val="80000"/>
-                  </a:schemeClr>
-                </a:solidFill>
-                <a:sym typeface="Wingdings" pitchFamily="2" charset="2"/>
-              </a:rPr>
-              <a:t> </a:t>
-            </a:r>
-            <a:r>
-              <a:rPr lang="en-US" dirty="0">
-                <a:sym typeface="Wingdings" pitchFamily="2" charset="2"/>
-              </a:rPr>
-              <a:t>(course </a:t>
-            </a:r>
-            <a:r>
-              <a:rPr lang="en-US" dirty="0" smtClean="0">
-                <a:sym typeface="Wingdings" pitchFamily="2" charset="2"/>
-              </a:rPr>
-              <a:t>taken)</a:t>
-            </a:r>
-            <a:endParaRPr lang="bg-BG" dirty="0">
-              <a:solidFill>
-                <a:schemeClr val="accent5">
-                  <a:lumMod val="20000"/>
-                  <a:lumOff val="80000"/>
-                </a:schemeClr>
-              </a:solidFill>
-              <a:sym typeface="Wingdings" pitchFamily="2" charset="2"/>
-            </a:endParaRPr>
-          </a:p>
-          <a:p>
-            <a:pPr lvl="2"/>
-            <a:r>
-              <a:rPr lang="en-US" dirty="0"/>
-              <a:t>High results </a:t>
-            </a:r>
-            <a:r>
-              <a:rPr lang="en-US" dirty="0">
-                <a:sym typeface="Wingdings" pitchFamily="2" charset="2"/>
-              </a:rPr>
-              <a:t> </a:t>
-            </a:r>
-            <a:r>
-              <a:rPr lang="en-US" dirty="0">
-                <a:solidFill>
-                  <a:schemeClr val="accent5">
-                    <a:lumMod val="20000"/>
-                    <a:lumOff val="80000"/>
-                  </a:schemeClr>
-                </a:solidFill>
-                <a:sym typeface="Wingdings" pitchFamily="2" charset="2"/>
-              </a:rPr>
-              <a:t>pass with </a:t>
-            </a:r>
-            <a:r>
-              <a:rPr lang="en-US" dirty="0" smtClean="0">
-                <a:solidFill>
-                  <a:schemeClr val="accent5">
-                    <a:lumMod val="20000"/>
-                    <a:lumOff val="80000"/>
-                  </a:schemeClr>
-                </a:solidFill>
-                <a:sym typeface="Wingdings" pitchFamily="2" charset="2"/>
-              </a:rPr>
-              <a:t>excellence</a:t>
-            </a:r>
-            <a:endParaRPr lang="en-US" dirty="0">
-              <a:solidFill>
-                <a:schemeClr val="accent5">
-                  <a:lumMod val="20000"/>
-                  <a:lumOff val="80000"/>
-                </a:schemeClr>
-              </a:solidFill>
-              <a:sym typeface="Wingdings" pitchFamily="2" charset="2"/>
-            </a:endParaRPr>
+              <a:t>Resources</a:t>
+            </a:r>
+            <a:endParaRPr lang="en-US" dirty="0"/>
           </a:p>
         </p:txBody>
       </p:sp>
       <p:sp>
         <p:nvSpPr>
-          <p:cNvPr id="4" name="Slide Number Placeholder 3"/>
+          <p:cNvPr id="3" name="Subtitle 2"/>
           <p:cNvSpPr>
             <a:spLocks noGrp="1"/>
           </p:cNvSpPr>
           <p:nvPr>
-            <p:ph type="sldNum" sz="quarter" idx="10"/>
+            <p:ph type="subTitle" idx="1"/>
           </p:nvPr>
         </p:nvSpPr>
-        <p:spPr/>
+        <p:spPr>
+          <a:xfrm>
+            <a:off x="676275" y="2834480"/>
+            <a:ext cx="7858125" cy="569120"/>
+          </a:xfrm>
+        </p:spPr>
         <p:txBody>
           <a:bodyPr/>
           <a:lstStyle/>
           <a:p>
-            <a:pPr>
-              <a:defRPr/>
-            </a:pPr>
-            <a:fld id="{58452FF4-89E3-4D1B-9927-2DBDC00E58D7}" type="slidenum">
-              <a:rPr lang="en-US" smtClean="0"/>
-              <a:pPr>
-                <a:defRPr/>
-              </a:pPr>
-              <a:t>8</a:t>
-            </a:fld>
+            <a:pPr algn="r"/>
+            <a:r>
+              <a:rPr lang="en-US" dirty="0" smtClean="0"/>
+              <a:t>What We Need in Addition to this Course Content?</a:t>
+            </a:r>
             <a:endParaRPr lang="en-US" dirty="0"/>
           </a:p>
         </p:txBody>
       </p:sp>
+      <p:pic>
+        <p:nvPicPr>
+          <p:cNvPr id="10242" name="Picture 2" descr="http://headrush.typepad.com/photos/uncategorized/books.jpg"/>
+          <p:cNvPicPr>
+            <a:picLocks noChangeAspect="1" noChangeArrowheads="1"/>
+          </p:cNvPicPr>
+          <p:nvPr/>
+        </p:nvPicPr>
+        <p:blipFill>
+          <a:blip r:embed="rId2" cstate="screen">
+            <a:extLst>
+              <a:ext uri="{28A0092B-C50C-407E-A947-70E740481C1C}">
+                <a14:useLocalDpi xmlns:a14="http://schemas.microsoft.com/office/drawing/2010/main" val="0"/>
+              </a:ext>
+            </a:extLst>
+          </a:blip>
+          <a:srcRect/>
+          <a:stretch>
+            <a:fillRect/>
+          </a:stretch>
+        </p:blipFill>
+        <p:spPr bwMode="auto">
+          <a:xfrm>
+            <a:off x="609600" y="3724588"/>
+            <a:ext cx="3918458" cy="2600012"/>
+          </a:xfrm>
+          <a:prstGeom prst="rect">
+            <a:avLst/>
+          </a:prstGeom>
+          <a:ln>
+            <a:noFill/>
+          </a:ln>
+          <a:effectLst>
+            <a:softEdge rad="112500"/>
+          </a:effectLst>
+        </p:spPr>
+      </p:pic>
+      <p:pic>
+        <p:nvPicPr>
+          <p:cNvPr id="10244" name="Picture 4" descr="http://www.bbc.co.uk/blogs/ni/books.jpg"/>
+          <p:cNvPicPr>
+            <a:picLocks noChangeAspect="1" noChangeArrowheads="1"/>
+          </p:cNvPicPr>
+          <p:nvPr/>
+        </p:nvPicPr>
+        <p:blipFill>
+          <a:blip r:embed="rId3" cstate="screen">
+            <a:extLst>
+              <a:ext uri="{28A0092B-C50C-407E-A947-70E740481C1C}">
+                <a14:useLocalDpi xmlns:a14="http://schemas.microsoft.com/office/drawing/2010/main" val="0"/>
+              </a:ext>
+            </a:extLst>
+          </a:blip>
+          <a:srcRect/>
+          <a:stretch>
+            <a:fillRect/>
+          </a:stretch>
+        </p:blipFill>
+        <p:spPr bwMode="auto">
+          <a:xfrm>
+            <a:off x="6810375" y="3729089"/>
+            <a:ext cx="1724025" cy="2595511"/>
+          </a:xfrm>
+          <a:prstGeom prst="rect">
+            <a:avLst/>
+          </a:prstGeom>
+          <a:ln>
+            <a:noFill/>
+          </a:ln>
+          <a:effectLst>
+            <a:softEdge rad="112500"/>
+          </a:effectLst>
+        </p:spPr>
+      </p:pic>
+      <p:pic>
+        <p:nvPicPr>
+          <p:cNvPr id="5122" name="Picture 2" descr="dashboard, widgets icon"/>
+          <p:cNvPicPr>
+            <a:picLocks noChangeAspect="1" noChangeArrowheads="1"/>
+          </p:cNvPicPr>
+          <p:nvPr/>
+        </p:nvPicPr>
+        <p:blipFill>
+          <a:blip r:embed="rId4">
+            <a:extLst>
+              <a:ext uri="{28A0092B-C50C-407E-A947-70E740481C1C}">
+                <a14:useLocalDpi xmlns:a14="http://schemas.microsoft.com/office/drawing/2010/main" val="0"/>
+              </a:ext>
+            </a:extLst>
+          </a:blip>
+          <a:srcRect/>
+          <a:stretch>
+            <a:fillRect/>
+          </a:stretch>
+        </p:blipFill>
+        <p:spPr bwMode="auto">
+          <a:xfrm>
+            <a:off x="2692400" y="641349"/>
+            <a:ext cx="1695450" cy="1695451"/>
+          </a:xfrm>
+          <a:prstGeom prst="rect">
+            <a:avLst/>
+          </a:prstGeom>
+          <a:noFill/>
+          <a:extLst>
+            <a:ext uri="{909E8E84-426E-40DD-AFC4-6F175D3DCCD1}">
+              <a14:hiddenFill xmlns:a14="http://schemas.microsoft.com/office/drawing/2010/main">
+                <a:solidFill>
+                  <a:srgbClr val="FFFFFF"/>
+                </a:solidFill>
+              </a14:hiddenFill>
+            </a:ext>
+          </a:extLst>
+        </p:spPr>
+      </p:pic>
+      <p:pic>
+        <p:nvPicPr>
+          <p:cNvPr id="5126" name="Picture 6" descr="earth, folder, internet, web icon"/>
+          <p:cNvPicPr>
+            <a:picLocks noChangeAspect="1" noChangeArrowheads="1"/>
+          </p:cNvPicPr>
+          <p:nvPr/>
+        </p:nvPicPr>
+        <p:blipFill>
+          <a:blip r:embed="rId5">
+            <a:extLst>
+              <a:ext uri="{28A0092B-C50C-407E-A947-70E740481C1C}">
+                <a14:useLocalDpi xmlns:a14="http://schemas.microsoft.com/office/drawing/2010/main" val="0"/>
+              </a:ext>
+            </a:extLst>
+          </a:blip>
+          <a:srcRect/>
+          <a:stretch>
+            <a:fillRect/>
+          </a:stretch>
+        </p:blipFill>
+        <p:spPr bwMode="auto">
+          <a:xfrm>
+            <a:off x="4730751" y="361950"/>
+            <a:ext cx="1390649" cy="1390650"/>
+          </a:xfrm>
+          <a:prstGeom prst="rect">
+            <a:avLst/>
+          </a:prstGeom>
+          <a:noFill/>
+          <a:extLst>
+            <a:ext uri="{909E8E84-426E-40DD-AFC4-6F175D3DCCD1}">
+              <a14:hiddenFill xmlns:a14="http://schemas.microsoft.com/office/drawing/2010/main">
+                <a:solidFill>
+                  <a:srgbClr val="FFFFFF"/>
+                </a:solidFill>
+              </a14:hiddenFill>
+            </a:ext>
+          </a:extLst>
+        </p:spPr>
+      </p:pic>
+      <p:pic>
+        <p:nvPicPr>
+          <p:cNvPr id="5130" name="Picture 10" descr=" icon"/>
+          <p:cNvPicPr>
+            <a:picLocks noChangeAspect="1" noChangeArrowheads="1"/>
+          </p:cNvPicPr>
+          <p:nvPr/>
+        </p:nvPicPr>
+        <p:blipFill>
+          <a:blip r:embed="rId6">
+            <a:extLst>
+              <a:ext uri="{28A0092B-C50C-407E-A947-70E740481C1C}">
+                <a14:useLocalDpi xmlns:a14="http://schemas.microsoft.com/office/drawing/2010/main" val="0"/>
+              </a:ext>
+            </a:extLst>
+          </a:blip>
+          <a:srcRect/>
+          <a:stretch>
+            <a:fillRect/>
+          </a:stretch>
+        </p:blipFill>
+        <p:spPr bwMode="auto">
+          <a:xfrm>
+            <a:off x="6146800" y="304799"/>
+            <a:ext cx="1219200" cy="1219201"/>
+          </a:xfrm>
+          <a:prstGeom prst="rect">
+            <a:avLst/>
+          </a:prstGeom>
+          <a:noFill/>
+          <a:extLst>
+            <a:ext uri="{909E8E84-426E-40DD-AFC4-6F175D3DCCD1}">
+              <a14:hiddenFill xmlns:a14="http://schemas.microsoft.com/office/drawing/2010/main">
+                <a:solidFill>
+                  <a:srgbClr val="FFFFFF"/>
+                </a:solidFill>
+              </a14:hiddenFill>
+            </a:ext>
+          </a:extLst>
+        </p:spPr>
+      </p:pic>
+      <p:pic>
+        <p:nvPicPr>
+          <p:cNvPr id="5132" name="Picture 12" descr="folder icon"/>
+          <p:cNvPicPr>
+            <a:picLocks noChangeAspect="1" noChangeArrowheads="1"/>
+          </p:cNvPicPr>
+          <p:nvPr/>
+        </p:nvPicPr>
+        <p:blipFill>
+          <a:blip r:embed="rId7">
+            <a:extLst>
+              <a:ext uri="{28A0092B-C50C-407E-A947-70E740481C1C}">
+                <a14:useLocalDpi xmlns:a14="http://schemas.microsoft.com/office/drawing/2010/main" val="0"/>
+              </a:ext>
+            </a:extLst>
+          </a:blip>
+          <a:srcRect/>
+          <a:stretch>
+            <a:fillRect/>
+          </a:stretch>
+        </p:blipFill>
+        <p:spPr bwMode="auto">
+          <a:xfrm>
+            <a:off x="7677149" y="495298"/>
+            <a:ext cx="1104902" cy="1104902"/>
+          </a:xfrm>
+          <a:prstGeom prst="rect">
+            <a:avLst/>
+          </a:prstGeom>
+          <a:noFill/>
+          <a:extLst>
+            <a:ext uri="{909E8E84-426E-40DD-AFC4-6F175D3DCCD1}">
+              <a14:hiddenFill xmlns:a14="http://schemas.microsoft.com/office/drawing/2010/main">
+                <a:solidFill>
+                  <a:srgbClr val="FFFFFF"/>
+                </a:solidFill>
+              </a14:hiddenFill>
+            </a:ext>
+          </a:extLst>
+        </p:spPr>
+      </p:pic>
+      <p:pic>
+        <p:nvPicPr>
+          <p:cNvPr id="13314" name="Picture 2" descr="http://www.manager.bg/sites/default/files/news_photos/wikipedia-logo-en-big.png"/>
+          <p:cNvPicPr>
+            <a:picLocks noChangeAspect="1" noChangeArrowheads="1"/>
+          </p:cNvPicPr>
+          <p:nvPr/>
+        </p:nvPicPr>
+        <p:blipFill>
+          <a:blip r:embed="rId8" cstate="print">
+            <a:extLst>
+              <a:ext uri="{28A0092B-C50C-407E-A947-70E740481C1C}">
+                <a14:useLocalDpi xmlns:a14="http://schemas.microsoft.com/office/drawing/2010/main" val="0"/>
+              </a:ext>
+            </a:extLst>
+          </a:blip>
+          <a:srcRect/>
+          <a:stretch>
+            <a:fillRect/>
+          </a:stretch>
+        </p:blipFill>
+        <p:spPr bwMode="auto">
+          <a:xfrm>
+            <a:off x="4797067" y="3962401"/>
+            <a:ext cx="1734266" cy="2124386"/>
+          </a:xfrm>
+          <a:prstGeom prst="rect">
+            <a:avLst/>
+          </a:prstGeom>
+          <a:noFill/>
+          <a:effectLst>
+            <a:glow rad="127000">
+              <a:schemeClr val="accent4">
+                <a:lumMod val="60000"/>
+                <a:lumOff val="40000"/>
+                <a:alpha val="25000"/>
+              </a:schemeClr>
+            </a:glow>
+          </a:effectLst>
+          <a:extLst>
+            <a:ext uri="{909E8E84-426E-40DD-AFC4-6F175D3DCCD1}">
+              <a14:hiddenFill xmlns:a14="http://schemas.microsoft.com/office/drawing/2010/main">
+                <a:solidFill>
+                  <a:srgbClr val="FFFFFF"/>
+                </a:solidFill>
+              </a14:hiddenFill>
+            </a:ext>
+          </a:extLst>
+        </p:spPr>
+      </p:pic>
+      <p:pic>
+        <p:nvPicPr>
+          <p:cNvPr id="13318" name="Picture 6" descr="document, file, find, search, text icon"/>
+          <p:cNvPicPr>
+            <a:picLocks noChangeAspect="1" noChangeArrowheads="1"/>
+          </p:cNvPicPr>
+          <p:nvPr/>
+        </p:nvPicPr>
+        <p:blipFill>
+          <a:blip r:embed="rId9">
+            <a:extLst>
+              <a:ext uri="{28A0092B-C50C-407E-A947-70E740481C1C}">
+                <a14:useLocalDpi xmlns:a14="http://schemas.microsoft.com/office/drawing/2010/main" val="0"/>
+              </a:ext>
+            </a:extLst>
+          </a:blip>
+          <a:srcRect/>
+          <a:stretch>
+            <a:fillRect/>
+          </a:stretch>
+        </p:blipFill>
+        <p:spPr bwMode="auto">
+          <a:xfrm rot="162075">
+            <a:off x="797108" y="1030194"/>
+            <a:ext cx="1716331" cy="1530347"/>
+          </a:xfrm>
+          <a:prstGeom prst="rect">
+            <a:avLst/>
+          </a:prstGeom>
+          <a:noFill/>
+          <a:extLst>
+            <a:ext uri="{909E8E84-426E-40DD-AFC4-6F175D3DCCD1}">
+              <a14:hiddenFill xmlns:a14="http://schemas.microsoft.com/office/drawing/2010/main">
+                <a:solidFill>
+                  <a:srgbClr val="FFFFFF"/>
+                </a:solidFill>
+              </a14:hiddenFill>
+            </a:ext>
+          </a:extLst>
+        </p:spPr>
+      </p:pic>
     </p:spTree>
     <p:extLst>
       <p:ext uri="{BB962C8B-B14F-4D97-AF65-F5344CB8AC3E}">
-        <p14:creationId xmlns:p14="http://schemas.microsoft.com/office/powerpoint/2010/main" val="2447945256"/>
+        <p14:creationId xmlns:p14="http://schemas.microsoft.com/office/powerpoint/2010/main" val="3516177080"/>
       </p:ext>
     </p:extLst>
   </p:cSld>
@@ -10978,7 +8997,7 @@
           <a:p>
             <a:r>
               <a:rPr lang="en-US" dirty="0" smtClean="0"/>
-              <a:t>Homework Assignments</a:t>
+              <a:t>Course Web Site &amp; Forums</a:t>
             </a:r>
             <a:endParaRPr lang="en-US" dirty="0"/>
           </a:p>
@@ -10996,140 +9015,67 @@
         </p:nvSpPr>
         <p:spPr>
           <a:xfrm>
-            <a:off x="228600" y="838200"/>
-            <a:ext cx="8686800" cy="5791200"/>
+            <a:off x="228600" y="1066800"/>
+            <a:ext cx="8686800" cy="5562600"/>
           </a:xfrm>
         </p:spPr>
         <p:txBody>
           <a:bodyPr/>
           <a:lstStyle/>
           <a:p>
-            <a:pPr>
-              <a:lnSpc>
-                <a:spcPct val="100000"/>
-              </a:lnSpc>
+            <a:r>
+              <a:rPr lang="en-US" dirty="0" smtClean="0"/>
+              <a:t>Register for the "Telerik Academy Forums":</a:t>
+            </a:r>
+          </a:p>
+          <a:p>
+            <a:pPr lvl="1"/>
+            <a:endParaRPr lang="en-US" sz="2900" dirty="0" smtClean="0"/>
+          </a:p>
+          <a:p>
+            <a:pPr lvl="1">
+              <a:spcBef>
+                <a:spcPts val="2400"/>
+              </a:spcBef>
             </a:pPr>
             <a:r>
+              <a:rPr lang="en-US" sz="2900" dirty="0" smtClean="0"/>
+              <a:t>Discuss the course exercises with your colleagues</a:t>
+            </a:r>
+          </a:p>
+          <a:p>
+            <a:pPr lvl="1"/>
+            <a:r>
+              <a:rPr lang="en-US" sz="2900" dirty="0" smtClean="0"/>
+              <a:t>Find solutions for the exercises</a:t>
+            </a:r>
+          </a:p>
+          <a:p>
+            <a:pPr lvl="1"/>
+            <a:r>
+              <a:rPr lang="en-US" sz="2900" dirty="0" smtClean="0"/>
+              <a:t>Share source code / discuss ideas</a:t>
+            </a:r>
+          </a:p>
+          <a:p>
+            <a:r>
+              <a:rPr lang="en-US" dirty="0"/>
+              <a:t>The </a:t>
+            </a:r>
+            <a:r>
               <a:rPr lang="en-US" dirty="0" smtClean="0"/>
-              <a:t>Doing your homework is very important!</a:t>
-            </a:r>
-          </a:p>
-          <a:p>
-            <a:pPr lvl="1">
-              <a:lnSpc>
-                <a:spcPct val="100000"/>
-              </a:lnSpc>
-            </a:pPr>
-            <a:r>
-              <a:rPr lang="en-US" dirty="0" smtClean="0"/>
-              <a:t>Programming can only be</a:t>
-            </a:r>
-            <a:br>
-              <a:rPr lang="en-US" dirty="0" smtClean="0"/>
-            </a:br>
-            <a:r>
-              <a:rPr lang="en-US" dirty="0" smtClean="0"/>
-              <a:t>learned through </a:t>
-            </a:r>
-            <a:r>
-              <a:rPr lang="en-US" dirty="0" smtClean="0">
-                <a:solidFill>
-                  <a:schemeClr val="accent5">
-                    <a:lumMod val="20000"/>
-                    <a:lumOff val="80000"/>
-                  </a:schemeClr>
-                </a:solidFill>
-              </a:rPr>
-              <a:t>a lot of practice</a:t>
-            </a:r>
-            <a:r>
-              <a:rPr lang="en-US" dirty="0" smtClean="0"/>
-              <a:t>!</a:t>
-            </a:r>
-          </a:p>
-          <a:p>
-            <a:pPr>
-              <a:lnSpc>
-                <a:spcPct val="100000"/>
-              </a:lnSpc>
-            </a:pPr>
-            <a:r>
-              <a:rPr lang="en-US" dirty="0" smtClean="0"/>
-              <a:t>After each lecture there are a few exercises</a:t>
-            </a:r>
-          </a:p>
-          <a:p>
-            <a:pPr lvl="1">
-              <a:lnSpc>
-                <a:spcPct val="100000"/>
-              </a:lnSpc>
-            </a:pPr>
-            <a:r>
-              <a:rPr lang="en-US" dirty="0" smtClean="0"/>
-              <a:t>Try to solve them in class</a:t>
-            </a:r>
-          </a:p>
-          <a:p>
-            <a:pPr lvl="1">
-              <a:lnSpc>
-                <a:spcPct val="100000"/>
-              </a:lnSpc>
-            </a:pPr>
-            <a:r>
-              <a:rPr lang="en-US" dirty="0" smtClean="0"/>
-              <a:t>The rest are your homework</a:t>
-            </a:r>
-          </a:p>
-          <a:p>
-            <a:pPr>
-              <a:lnSpc>
-                <a:spcPct val="100000"/>
-              </a:lnSpc>
-            </a:pPr>
-            <a:r>
-              <a:rPr lang="en-US" dirty="0" smtClean="0"/>
-              <a:t>Homework assignments are due in </a:t>
-            </a:r>
-            <a:r>
-              <a:rPr lang="en-US" dirty="0" smtClean="0">
-                <a:latin typeface="Consolas" pitchFamily="49" charset="0"/>
-                <a:cs typeface="Consolas" pitchFamily="49" charset="0"/>
-              </a:rPr>
-              <a:t>1</a:t>
-            </a:r>
-            <a:r>
-              <a:rPr lang="en-US" dirty="0" smtClean="0"/>
-              <a:t>-</a:t>
-            </a:r>
-            <a:r>
-              <a:rPr lang="en-US" dirty="0" smtClean="0">
-                <a:latin typeface="Consolas" pitchFamily="49" charset="0"/>
-                <a:cs typeface="Consolas" pitchFamily="49" charset="0"/>
-              </a:rPr>
-              <a:t>2</a:t>
-            </a:r>
-            <a:r>
-              <a:rPr lang="en-US" dirty="0" smtClean="0"/>
-              <a:t> weeks after each lecture</a:t>
-            </a:r>
-          </a:p>
-          <a:p>
-            <a:pPr>
-              <a:lnSpc>
-                <a:spcPct val="100000"/>
-              </a:lnSpc>
-            </a:pPr>
-            <a:r>
-              <a:rPr lang="en-US" dirty="0" smtClean="0"/>
-              <a:t>Submissions will be accepted through the student's system: </a:t>
-            </a:r>
-            <a:r>
-              <a:rPr lang="en-US" dirty="0" smtClean="0">
-                <a:hlinkClick r:id="rId2"/>
-              </a:rPr>
-              <a:t>telerikacademy.com</a:t>
-            </a:r>
-            <a:endParaRPr lang="en-US" dirty="0" smtClean="0"/>
+              <a:t>CSS Styling official </a:t>
+            </a:r>
+            <a:r>
+              <a:rPr lang="en-US" dirty="0"/>
+              <a:t>web site:</a:t>
+            </a:r>
+          </a:p>
+          <a:p>
+            <a:endParaRPr lang="en-US" sz="3100" dirty="0" smtClean="0"/>
+          </a:p>
+          <a:p>
+            <a:endParaRPr lang="en-US" sz="3100" dirty="0"/>
           </a:p>
         </p:txBody>
       </p:sp>
@@ -11162,10 +9108,217 @@
           </a:p>
         </p:txBody>
       </p:sp>
+      <p:sp>
+        <p:nvSpPr>
+          <p:cNvPr id="7" name="Rounded Rectangle 6"/>
+          <p:cNvSpPr/>
+          <p:nvPr/>
+        </p:nvSpPr>
+        <p:spPr>
+          <a:xfrm>
+            <a:off x="533400" y="1652896"/>
+            <a:ext cx="8077200" cy="937904"/>
+          </a:xfrm>
+          <a:prstGeom prst="roundRect">
+            <a:avLst>
+              <a:gd name="adj" fmla="val 5953"/>
+            </a:avLst>
+          </a:prstGeom>
+          <a:solidFill>
+            <a:schemeClr val="accent5">
+              <a:lumMod val="60000"/>
+              <a:lumOff val="40000"/>
+              <a:alpha val="15000"/>
+            </a:schemeClr>
+          </a:solidFill>
+          <a:ln w="6350" algn="ctr">
+            <a:solidFill>
+              <a:schemeClr val="accent5">
+                <a:lumMod val="60000"/>
+                <a:lumOff val="40000"/>
+                <a:alpha val="70000"/>
+              </a:schemeClr>
+            </a:solidFill>
+            <a:round/>
+            <a:headEnd/>
+            <a:tailEnd/>
+          </a:ln>
+          <a:effectLst/>
+        </p:spPr>
+        <p:txBody>
+          <a:bodyPr lIns="108000" tIns="108000" rIns="108000" bIns="108000" anchor="ctr"/>
+          <a:lstStyle/>
+          <a:p>
+            <a:pPr algn="ctr"/>
+            <a:r>
+              <a:rPr lang="en-US" sz="2400" b="1" noProof="1">
+                <a:solidFill>
+                  <a:schemeClr val="tx1">
+                    <a:lumMod val="40000"/>
+                    <a:lumOff val="60000"/>
+                  </a:schemeClr>
+                </a:solidFill>
+                <a:effectLst>
+                  <a:outerShdw blurRad="38100" dist="38100" dir="2700000" algn="tl">
+                    <a:srgbClr val="000000">
+                      <a:alpha val="43137"/>
+                    </a:srgbClr>
+                  </a:outerShdw>
+                </a:effectLst>
+                <a:latin typeface="Consolas" pitchFamily="49" charset="0"/>
+                <a:cs typeface="Consolas" pitchFamily="49" charset="0"/>
+                <a:hlinkClick r:id="rId3"/>
+              </a:rPr>
+              <a:t>http://forums.academy.telerik.com/front-end-development/html-css</a:t>
+            </a:r>
+            <a:endParaRPr lang="en-US" sz="2400" b="1" noProof="1">
+              <a:solidFill>
+                <a:schemeClr val="tx1">
+                  <a:lumMod val="40000"/>
+                  <a:lumOff val="60000"/>
+                </a:schemeClr>
+              </a:solidFill>
+              <a:effectLst>
+                <a:outerShdw blurRad="38100" dist="38100" dir="2700000" algn="tl">
+                  <a:srgbClr val="000000">
+                    <a:alpha val="43137"/>
+                  </a:srgbClr>
+                </a:outerShdw>
+              </a:effectLst>
+              <a:latin typeface="Consolas" pitchFamily="49" charset="0"/>
+              <a:cs typeface="Consolas" pitchFamily="49" charset="0"/>
+            </a:endParaRPr>
+          </a:p>
+        </p:txBody>
+      </p:sp>
+      <p:sp>
+        <p:nvSpPr>
+          <p:cNvPr id="8" name="Rounded Rectangle 7"/>
+          <p:cNvSpPr/>
+          <p:nvPr/>
+        </p:nvSpPr>
+        <p:spPr>
+          <a:xfrm>
+            <a:off x="533400" y="5181600"/>
+            <a:ext cx="8077200" cy="1017896"/>
+          </a:xfrm>
+          <a:prstGeom prst="roundRect">
+            <a:avLst>
+              <a:gd name="adj" fmla="val 5953"/>
+            </a:avLst>
+          </a:prstGeom>
+          <a:solidFill>
+            <a:schemeClr val="accent5">
+              <a:lumMod val="60000"/>
+              <a:lumOff val="40000"/>
+              <a:alpha val="15000"/>
+            </a:schemeClr>
+          </a:solidFill>
+          <a:ln w="6350" algn="ctr">
+            <a:solidFill>
+              <a:schemeClr val="accent5">
+                <a:lumMod val="60000"/>
+                <a:lumOff val="40000"/>
+                <a:alpha val="70000"/>
+              </a:schemeClr>
+            </a:solidFill>
+            <a:round/>
+            <a:headEnd/>
+            <a:tailEnd/>
+          </a:ln>
+          <a:effectLst/>
+        </p:spPr>
+        <p:txBody>
+          <a:bodyPr lIns="108000" tIns="108000" rIns="108000" bIns="108000" anchor="ctr"/>
+          <a:lstStyle/>
+          <a:p>
+            <a:pPr algn="ctr"/>
+            <a:r>
+              <a:rPr lang="en-US" sz="2400" b="1" noProof="1">
+                <a:solidFill>
+                  <a:schemeClr val="tx1">
+                    <a:lumMod val="40000"/>
+                    <a:lumOff val="60000"/>
+                  </a:schemeClr>
+                </a:solidFill>
+                <a:effectLst>
+                  <a:outerShdw blurRad="38100" dist="38100" dir="2700000" algn="tl">
+                    <a:srgbClr val="000000">
+                      <a:alpha val="43137"/>
+                    </a:srgbClr>
+                  </a:outerShdw>
+                </a:effectLst>
+                <a:latin typeface="Consolas" pitchFamily="49" charset="0"/>
+                <a:cs typeface="Consolas" pitchFamily="49" charset="0"/>
+                <a:hlinkClick r:id="rId4"/>
+              </a:rPr>
+              <a:t>http://</a:t>
+            </a:r>
+            <a:r>
+              <a:rPr lang="en-US" sz="2400" b="1" noProof="1" smtClean="0">
+                <a:solidFill>
+                  <a:schemeClr val="tx1">
+                    <a:lumMod val="40000"/>
+                    <a:lumOff val="60000"/>
+                  </a:schemeClr>
+                </a:solidFill>
+                <a:effectLst>
+                  <a:outerShdw blurRad="38100" dist="38100" dir="2700000" algn="tl">
+                    <a:srgbClr val="000000">
+                      <a:alpha val="43137"/>
+                    </a:srgbClr>
+                  </a:outerShdw>
+                </a:effectLst>
+                <a:latin typeface="Consolas" pitchFamily="49" charset="0"/>
+                <a:cs typeface="Consolas" pitchFamily="49" charset="0"/>
+                <a:hlinkClick r:id="rId4"/>
+              </a:rPr>
+              <a:t>academy.telerik.com/student-courses/web-design-and-ui/css-styling</a:t>
+            </a:r>
+            <a:r>
+              <a:rPr lang="en-US" sz="2400" b="1" noProof="1" smtClean="0">
+                <a:solidFill>
+                  <a:schemeClr val="tx1">
+                    <a:lumMod val="40000"/>
+                    <a:lumOff val="60000"/>
+                  </a:schemeClr>
+                </a:solidFill>
+                <a:effectLst>
+                  <a:outerShdw blurRad="38100" dist="38100" dir="2700000" algn="tl">
+                    <a:srgbClr val="000000">
+                      <a:alpha val="43137"/>
+                    </a:srgbClr>
+                  </a:outerShdw>
+                </a:effectLst>
+                <a:latin typeface="Consolas" pitchFamily="49" charset="0"/>
+                <a:cs typeface="Consolas" pitchFamily="49" charset="0"/>
+              </a:rPr>
+              <a:t> </a:t>
+            </a:r>
+            <a:endParaRPr lang="en-US" sz="2400" b="1" noProof="1">
+              <a:solidFill>
+                <a:schemeClr val="tx1">
+                  <a:lumMod val="40000"/>
+                  <a:lumOff val="60000"/>
+                </a:schemeClr>
+              </a:solidFill>
+              <a:effectLst>
+                <a:outerShdw blurRad="38100" dist="38100" dir="2700000" algn="tl">
+                  <a:srgbClr val="000000">
+                    <a:alpha val="43137"/>
+                  </a:srgbClr>
+                </a:outerShdw>
+              </a:effectLst>
+              <a:latin typeface="Consolas" pitchFamily="49" charset="0"/>
+              <a:cs typeface="Consolas" pitchFamily="49" charset="0"/>
+            </a:endParaRPr>
+          </a:p>
+        </p:txBody>
+      </p:sp>
     </p:spTree>
     <p:extLst>
       <p:ext uri="{BB962C8B-B14F-4D97-AF65-F5344CB8AC3E}">
-        <p14:creationId xmlns:p14="http://schemas.microsoft.com/office/powerpoint/2010/main" val="786574044"/>
+        <p14:creationId xmlns:p14="http://schemas.microsoft.com/office/powerpoint/2010/main" val="2589110298"/>
       </p:ext>
     </p:extLst>
   </p:cSld>
